--- a/项目文档/需求分析.pptx
+++ b/项目文档/需求分析.pptx
@@ -2,39 +2,39 @@
 <file path=ppt/presentation.xml><?xml version="1.0" encoding="utf-8"?>
 <p:presentation xmlns:a="http://schemas.openxmlformats.org/drawingml/2006/main" xmlns:r="http://schemas.openxmlformats.org/officeDocument/2006/relationships" xmlns:p="http://schemas.openxmlformats.org/presentationml/2006/main" saveSubsetFonts="1" autoCompressPictures="0">
   <p:sldMasterIdLst>
-    <p:sldMasterId id="2147483679" r:id="rId1"/>
-    <p:sldMasterId id="2147483696" r:id="rId2"/>
+    <p:sldMasterId id="2147483679" r:id="rId4"/>
+    <p:sldMasterId id="2147483696" r:id="rId5"/>
   </p:sldMasterIdLst>
   <p:notesMasterIdLst>
-    <p:notesMasterId r:id="rId29"/>
+    <p:notesMasterId r:id="rId32"/>
   </p:notesMasterIdLst>
   <p:sldIdLst>
-    <p:sldId id="260" r:id="rId3"/>
-    <p:sldId id="286" r:id="rId4"/>
-    <p:sldId id="264" r:id="rId5"/>
-    <p:sldId id="263" r:id="rId6"/>
-    <p:sldId id="284" r:id="rId7"/>
-    <p:sldId id="269" r:id="rId8"/>
-    <p:sldId id="270" r:id="rId9"/>
-    <p:sldId id="265" r:id="rId10"/>
-    <p:sldId id="272" r:id="rId11"/>
-    <p:sldId id="278" r:id="rId12"/>
-    <p:sldId id="279" r:id="rId13"/>
-    <p:sldId id="266" r:id="rId14"/>
-    <p:sldId id="271" r:id="rId15"/>
-    <p:sldId id="276" r:id="rId16"/>
-    <p:sldId id="280" r:id="rId17"/>
-    <p:sldId id="281" r:id="rId18"/>
-    <p:sldId id="267" r:id="rId19"/>
-    <p:sldId id="277" r:id="rId20"/>
-    <p:sldId id="282" r:id="rId21"/>
-    <p:sldId id="283" r:id="rId22"/>
-    <p:sldId id="285" r:id="rId23"/>
-    <p:sldId id="258" r:id="rId24"/>
-    <p:sldId id="288" r:id="rId25"/>
-    <p:sldId id="289" r:id="rId26"/>
-    <p:sldId id="290" r:id="rId27"/>
-    <p:sldId id="291" r:id="rId28"/>
+    <p:sldId id="260" r:id="rId6"/>
+    <p:sldId id="286" r:id="rId7"/>
+    <p:sldId id="264" r:id="rId8"/>
+    <p:sldId id="263" r:id="rId9"/>
+    <p:sldId id="284" r:id="rId10"/>
+    <p:sldId id="269" r:id="rId11"/>
+    <p:sldId id="270" r:id="rId12"/>
+    <p:sldId id="265" r:id="rId13"/>
+    <p:sldId id="272" r:id="rId14"/>
+    <p:sldId id="278" r:id="rId15"/>
+    <p:sldId id="279" r:id="rId16"/>
+    <p:sldId id="266" r:id="rId17"/>
+    <p:sldId id="271" r:id="rId18"/>
+    <p:sldId id="276" r:id="rId19"/>
+    <p:sldId id="280" r:id="rId20"/>
+    <p:sldId id="281" r:id="rId21"/>
+    <p:sldId id="267" r:id="rId22"/>
+    <p:sldId id="277" r:id="rId23"/>
+    <p:sldId id="282" r:id="rId24"/>
+    <p:sldId id="283" r:id="rId25"/>
+    <p:sldId id="285" r:id="rId26"/>
+    <p:sldId id="258" r:id="rId27"/>
+    <p:sldId id="288" r:id="rId28"/>
+    <p:sldId id="289" r:id="rId29"/>
+    <p:sldId id="290" r:id="rId30"/>
+    <p:sldId id="291" r:id="rId31"/>
   </p:sldIdLst>
   <p:sldSz cx="12192000" cy="6858000"/>
   <p:notesSz cx="6858000" cy="9144000"/>
@@ -885,7 +885,7 @@
                 <a:cs typeface="+mn-cs"/>
               </a:defRPr>
             </a:pPr>
-            <a:endParaRPr lang="en-US"/>
+            <a:endParaRPr lang="zh-CN"/>
           </a:p>
         </c:txPr>
         <c:crossAx val="1252645248"/>
@@ -954,7 +954,7 @@
               <a:cs typeface="+mn-cs"/>
             </a:defRPr>
           </a:pPr>
-          <a:endParaRPr lang="en-US"/>
+          <a:endParaRPr lang="zh-CN"/>
         </a:p>
       </c:txPr>
     </c:legend>
@@ -983,7 +983,7 @@
       <a:pPr>
         <a:defRPr/>
       </a:pPr>
-      <a:endParaRPr lang="en-US"/>
+      <a:endParaRPr lang="zh-CN"/>
     </a:p>
   </c:txPr>
   <c:externalData r:id="rId3">
@@ -1040,7 +1040,7 @@
               <a:cs typeface="+mn-cs"/>
             </a:defRPr>
           </a:pPr>
-          <a:endParaRPr lang="en-US"/>
+          <a:endParaRPr lang="zh-CN"/>
         </a:p>
       </c:txPr>
     </c:title>
@@ -1192,7 +1192,7 @@
                       <a:cs typeface="+mn-cs"/>
                     </a:defRPr>
                   </a:pPr>
-                  <a:endParaRPr lang="en-US"/>
+                  <a:endParaRPr lang="zh-CN"/>
                 </a:p>
               </c:txPr>
               <c:showLegendKey val="0"/>
@@ -1234,7 +1234,7 @@
                     <a:cs typeface="+mn-cs"/>
                   </a:defRPr>
                 </a:pPr>
-                <a:endParaRPr lang="en-US"/>
+                <a:endParaRPr lang="zh-CN"/>
               </a:p>
             </c:txPr>
             <c:showLegendKey val="0"/>
@@ -1342,7 +1342,7 @@
       <a:pPr>
         <a:defRPr/>
       </a:pPr>
-      <a:endParaRPr lang="en-US"/>
+      <a:endParaRPr lang="zh-CN"/>
     </a:p>
   </c:txPr>
   <c:externalData r:id="rId3">
@@ -1399,7 +1399,7 @@
               <a:cs typeface="+mn-cs"/>
             </a:defRPr>
           </a:pPr>
-          <a:endParaRPr lang="en-US"/>
+          <a:endParaRPr lang="zh-CN"/>
         </a:p>
       </c:txPr>
     </c:title>
@@ -1551,7 +1551,7 @@
                       <a:cs typeface="+mn-cs"/>
                     </a:defRPr>
                   </a:pPr>
-                  <a:endParaRPr lang="en-US"/>
+                  <a:endParaRPr lang="zh-CN"/>
                 </a:p>
               </c:txPr>
               <c:showLegendKey val="0"/>
@@ -1593,7 +1593,7 @@
                     <a:cs typeface="+mn-cs"/>
                   </a:defRPr>
                 </a:pPr>
-                <a:endParaRPr lang="en-US"/>
+                <a:endParaRPr lang="zh-CN"/>
               </a:p>
             </c:txPr>
             <c:showLegendKey val="0"/>
@@ -1701,7 +1701,7 @@
       <a:pPr>
         <a:defRPr/>
       </a:pPr>
-      <a:endParaRPr lang="en-US"/>
+      <a:endParaRPr lang="zh-CN"/>
     </a:p>
   </c:txPr>
   <c:externalData r:id="rId3">
@@ -1758,7 +1758,7 @@
               <a:cs typeface="+mn-cs"/>
             </a:defRPr>
           </a:pPr>
-          <a:endParaRPr lang="en-US"/>
+          <a:endParaRPr lang="zh-CN"/>
         </a:p>
       </c:txPr>
     </c:title>
@@ -1910,7 +1910,7 @@
                       <a:cs typeface="+mn-cs"/>
                     </a:defRPr>
                   </a:pPr>
-                  <a:endParaRPr lang="en-US"/>
+                  <a:endParaRPr lang="zh-CN"/>
                 </a:p>
               </c:txPr>
               <c:showLegendKey val="0"/>
@@ -1952,7 +1952,7 @@
                     <a:cs typeface="+mn-cs"/>
                   </a:defRPr>
                 </a:pPr>
-                <a:endParaRPr lang="en-US"/>
+                <a:endParaRPr lang="zh-CN"/>
               </a:p>
             </c:txPr>
             <c:showLegendKey val="0"/>
@@ -2060,7 +2060,7 @@
       <a:pPr>
         <a:defRPr/>
       </a:pPr>
-      <a:endParaRPr lang="en-US"/>
+      <a:endParaRPr lang="zh-CN"/>
     </a:p>
   </c:txPr>
   <c:externalData r:id="rId3">
@@ -4371,7 +4371,7 @@
           <a:p>
             <a:fld id="{F371E7D3-8E86-46F9-BE74-3E0F11EDA0CC}" type="datetimeFigureOut">
               <a:rPr lang="zh-CN" altLang="en-US" smtClean="0"/>
-              <a:t>2019/7/17</a:t>
+              <a:t>2019/10/7</a:t>
             </a:fld>
             <a:endParaRPr lang="zh-CN" altLang="en-US"/>
           </a:p>
@@ -23724,7 +23724,7 @@
         </p:nvSpPr>
         <p:spPr>
           <a:xfrm>
-            <a:off x="2479604" y="2243983"/>
+            <a:off x="2351414" y="2790635"/>
             <a:ext cx="7235256" cy="757130"/>
           </a:xfrm>
         </p:spPr>
@@ -23734,106 +23734,7 @@
           <a:p>
             <a:r>
               <a:rPr lang="zh-CN" altLang="en-US" dirty="0"/>
-              <a:t>简约清新汇报通用模板</a:t>
-            </a:r>
-          </a:p>
-        </p:txBody>
-      </p:sp>
-      <p:sp>
-        <p:nvSpPr>
-          <p:cNvPr id="1050" name="文本占位符 1049">
-            <a:extLst>
-              <a:ext uri="{FF2B5EF4-FFF2-40B4-BE49-F238E27FC236}">
-                <a16:creationId xmlns:a16="http://schemas.microsoft.com/office/drawing/2014/main" id="{BD669FD1-035F-4FF0-B5F2-F352C5C79A9E}"/>
-              </a:ext>
-            </a:extLst>
-          </p:cNvPr>
-          <p:cNvSpPr>
-            <a:spLocks noGrp="1"/>
-          </p:cNvSpPr>
-          <p:nvPr>
-            <p:ph type="body" sz="quarter" idx="11"/>
-          </p:nvPr>
-        </p:nvSpPr>
-        <p:spPr>
-          <a:xfrm>
-            <a:off x="4086894" y="3061571"/>
-            <a:ext cx="1005403" cy="313932"/>
-          </a:xfrm>
-        </p:spPr>
-        <p:txBody>
-          <a:bodyPr/>
-          <a:lstStyle/>
-          <a:p>
-            <a:r>
-              <a:rPr lang="zh-CN" altLang="en-US" dirty="0"/>
-              <a:t>工作汇报</a:t>
-            </a:r>
-          </a:p>
-        </p:txBody>
-      </p:sp>
-      <p:sp>
-        <p:nvSpPr>
-          <p:cNvPr id="1051" name="文本占位符 1050">
-            <a:extLst>
-              <a:ext uri="{FF2B5EF4-FFF2-40B4-BE49-F238E27FC236}">
-                <a16:creationId xmlns:a16="http://schemas.microsoft.com/office/drawing/2014/main" id="{CA0E34B3-7CCB-4D22-9730-C6545C28DF71}"/>
-              </a:ext>
-            </a:extLst>
-          </p:cNvPr>
-          <p:cNvSpPr>
-            <a:spLocks noGrp="1"/>
-          </p:cNvSpPr>
-          <p:nvPr>
-            <p:ph type="body" sz="quarter" idx="12"/>
-          </p:nvPr>
-        </p:nvSpPr>
-        <p:spPr>
-          <a:xfrm>
-            <a:off x="5600208" y="3061571"/>
-            <a:ext cx="1005403" cy="313932"/>
-          </a:xfrm>
-        </p:spPr>
-        <p:txBody>
-          <a:bodyPr/>
-          <a:lstStyle/>
-          <a:p>
-            <a:r>
-              <a:rPr lang="zh-CN" altLang="en-US" dirty="0"/>
-              <a:t>年终总结</a:t>
-            </a:r>
-          </a:p>
-        </p:txBody>
-      </p:sp>
-      <p:sp>
-        <p:nvSpPr>
-          <p:cNvPr id="1052" name="文本占位符 1051">
-            <a:extLst>
-              <a:ext uri="{FF2B5EF4-FFF2-40B4-BE49-F238E27FC236}">
-                <a16:creationId xmlns:a16="http://schemas.microsoft.com/office/drawing/2014/main" id="{6F47A558-65EF-4E5A-8CC2-356948127DB8}"/>
-              </a:ext>
-            </a:extLst>
-          </p:cNvPr>
-          <p:cNvSpPr>
-            <a:spLocks noGrp="1"/>
-          </p:cNvSpPr>
-          <p:nvPr>
-            <p:ph type="body" sz="quarter" idx="13"/>
-          </p:nvPr>
-        </p:nvSpPr>
-        <p:spPr>
-          <a:xfrm>
-            <a:off x="7106308" y="3061571"/>
-            <a:ext cx="1019831" cy="313932"/>
-          </a:xfrm>
-        </p:spPr>
-        <p:txBody>
-          <a:bodyPr/>
-          <a:lstStyle/>
-          <a:p>
-            <a:r>
-              <a:rPr lang="zh-CN" altLang="en-US" dirty="0"/>
-              <a:t>项目汇报</a:t>
+              <a:t>需求分析</a:t>
             </a:r>
           </a:p>
         </p:txBody>
@@ -23856,8 +23757,8 @@
         </p:nvSpPr>
         <p:spPr>
           <a:xfrm>
-            <a:off x="4868291" y="4490263"/>
-            <a:ext cx="1119153" cy="286232"/>
+            <a:off x="4886694" y="4490263"/>
+            <a:ext cx="1082348" cy="286232"/>
           </a:xfrm>
         </p:spPr>
         <p:txBody>
@@ -23865,10 +23766,9 @@
           <a:lstStyle/>
           <a:p>
             <a:r>
-              <a:rPr lang="en-US" altLang="zh-CN" dirty="0" err="1"/>
-              <a:t>OfficePLUS</a:t>
+              <a:rPr lang="zh-CN" altLang="en-US" dirty="0"/>
+              <a:t>开发觉醒组</a:t>
             </a:r>
-            <a:endParaRPr lang="zh-CN" altLang="en-US" dirty="0"/>
           </a:p>
         </p:txBody>
       </p:sp>
@@ -23900,7 +23800,7 @@
           <a:p>
             <a:r>
               <a:rPr lang="en-US" altLang="zh-CN" dirty="0"/>
-              <a:t>2019.01.01</a:t>
+              <a:t>2019.10.08</a:t>
             </a:r>
             <a:endParaRPr lang="zh-CN" altLang="en-US" dirty="0"/>
           </a:p>
@@ -23916,13 +23816,13 @@
   <p:clrMapOvr>
     <a:masterClrMapping/>
   </p:clrMapOvr>
-  <mc:AlternateContent xmlns:mc="http://schemas.openxmlformats.org/markup-compatibility/2006">
-    <mc:Choice xmlns:p14="http://schemas.microsoft.com/office/powerpoint/2010/main" Requires="p14">
+  <mc:AlternateContent xmlns:mc="http://schemas.openxmlformats.org/markup-compatibility/2006" xmlns:p14="http://schemas.microsoft.com/office/powerpoint/2010/main">
+    <mc:Choice Requires="p14">
       <p:transition spd="med" p14:dur="700">
         <p:fade/>
       </p:transition>
     </mc:Choice>
-    <mc:Fallback>
+    <mc:Fallback xmlns="">
       <p:transition spd="med">
         <p:fade/>
       </p:transition>
@@ -25441,13 +25341,13 @@
   <p:clrMapOvr>
     <a:masterClrMapping/>
   </p:clrMapOvr>
-  <mc:AlternateContent xmlns:mc="http://schemas.openxmlformats.org/markup-compatibility/2006">
-    <mc:Choice xmlns:p14="http://schemas.microsoft.com/office/powerpoint/2010/main" Requires="p14">
+  <mc:AlternateContent xmlns:mc="http://schemas.openxmlformats.org/markup-compatibility/2006" xmlns:p14="http://schemas.microsoft.com/office/powerpoint/2010/main">
+    <mc:Choice Requires="p14">
       <p:transition spd="med" p14:dur="700">
         <p:fade/>
       </p:transition>
     </mc:Choice>
-    <mc:Fallback>
+    <mc:Fallback xmlns="">
       <p:transition spd="med">
         <p:fade/>
       </p:transition>
@@ -26787,13 +26687,13 @@
   <p:clrMapOvr>
     <a:masterClrMapping/>
   </p:clrMapOvr>
-  <mc:AlternateContent xmlns:mc="http://schemas.openxmlformats.org/markup-compatibility/2006">
-    <mc:Choice xmlns:p14="http://schemas.microsoft.com/office/powerpoint/2010/main" Requires="p14">
+  <mc:AlternateContent xmlns:mc="http://schemas.openxmlformats.org/markup-compatibility/2006" xmlns:p14="http://schemas.microsoft.com/office/powerpoint/2010/main">
+    <mc:Choice Requires="p14">
       <p:transition spd="med" p14:dur="700">
         <p:fade/>
       </p:transition>
     </mc:Choice>
-    <mc:Fallback>
+    <mc:Fallback xmlns="">
       <p:transition spd="med">
         <p:fade/>
       </p:transition>
@@ -27009,13 +26909,13 @@
   <p:clrMapOvr>
     <a:masterClrMapping/>
   </p:clrMapOvr>
-  <mc:AlternateContent xmlns:mc="http://schemas.openxmlformats.org/markup-compatibility/2006">
-    <mc:Choice xmlns:p14="http://schemas.microsoft.com/office/powerpoint/2010/main" Requires="p14">
+  <mc:AlternateContent xmlns:mc="http://schemas.openxmlformats.org/markup-compatibility/2006" xmlns:p14="http://schemas.microsoft.com/office/powerpoint/2010/main">
+    <mc:Choice Requires="p14">
       <p:transition spd="med" p14:dur="700">
         <p:fade/>
       </p:transition>
     </mc:Choice>
-    <mc:Fallback>
+    <mc:Fallback xmlns="">
       <p:transition spd="med">
         <p:fade/>
       </p:transition>
@@ -27606,13 +27506,13 @@
   <p:clrMapOvr>
     <a:masterClrMapping/>
   </p:clrMapOvr>
-  <mc:AlternateContent xmlns:mc="http://schemas.openxmlformats.org/markup-compatibility/2006">
-    <mc:Choice xmlns:p14="http://schemas.microsoft.com/office/powerpoint/2010/main" Requires="p14">
+  <mc:AlternateContent xmlns:mc="http://schemas.openxmlformats.org/markup-compatibility/2006" xmlns:p14="http://schemas.microsoft.com/office/powerpoint/2010/main">
+    <mc:Choice Requires="p14">
       <p:transition spd="med" p14:dur="700">
         <p:fade/>
       </p:transition>
     </mc:Choice>
-    <mc:Fallback>
+    <mc:Fallback xmlns="">
       <p:transition spd="med">
         <p:fade/>
       </p:transition>
@@ -30230,13 +30130,13 @@
   <p:clrMapOvr>
     <a:masterClrMapping/>
   </p:clrMapOvr>
-  <mc:AlternateContent xmlns:mc="http://schemas.openxmlformats.org/markup-compatibility/2006">
-    <mc:Choice xmlns:p14="http://schemas.microsoft.com/office/powerpoint/2010/main" Requires="p14">
+  <mc:AlternateContent xmlns:mc="http://schemas.openxmlformats.org/markup-compatibility/2006" xmlns:p14="http://schemas.microsoft.com/office/powerpoint/2010/main">
+    <mc:Choice Requires="p14">
       <p:transition spd="med" p14:dur="700">
         <p:fade/>
       </p:transition>
     </mc:Choice>
-    <mc:Fallback>
+    <mc:Fallback xmlns="">
       <p:transition spd="med">
         <p:fade/>
       </p:transition>
@@ -31184,13 +31084,13 @@
   <p:clrMapOvr>
     <a:masterClrMapping/>
   </p:clrMapOvr>
-  <mc:AlternateContent xmlns:mc="http://schemas.openxmlformats.org/markup-compatibility/2006">
-    <mc:Choice xmlns:p14="http://schemas.microsoft.com/office/powerpoint/2010/main" Requires="p14">
+  <mc:AlternateContent xmlns:mc="http://schemas.openxmlformats.org/markup-compatibility/2006" xmlns:p14="http://schemas.microsoft.com/office/powerpoint/2010/main">
+    <mc:Choice Requires="p14">
       <p:transition spd="med" p14:dur="700">
         <p:fade/>
       </p:transition>
     </mc:Choice>
-    <mc:Fallback>
+    <mc:Fallback xmlns="">
       <p:transition spd="med">
         <p:fade/>
       </p:transition>
@@ -32394,13 +32294,13 @@
   <p:clrMapOvr>
     <a:masterClrMapping/>
   </p:clrMapOvr>
-  <mc:AlternateContent xmlns:mc="http://schemas.openxmlformats.org/markup-compatibility/2006">
-    <mc:Choice xmlns:p14="http://schemas.microsoft.com/office/powerpoint/2010/main" Requires="p14">
+  <mc:AlternateContent xmlns:mc="http://schemas.openxmlformats.org/markup-compatibility/2006" xmlns:p14="http://schemas.microsoft.com/office/powerpoint/2010/main">
+    <mc:Choice Requires="p14">
       <p:transition spd="med" p14:dur="700">
         <p:fade/>
       </p:transition>
     </mc:Choice>
-    <mc:Fallback>
+    <mc:Fallback xmlns="">
       <p:transition spd="med">
         <p:fade/>
       </p:transition>
@@ -32616,13 +32516,13 @@
   <p:clrMapOvr>
     <a:masterClrMapping/>
   </p:clrMapOvr>
-  <mc:AlternateContent xmlns:mc="http://schemas.openxmlformats.org/markup-compatibility/2006">
-    <mc:Choice xmlns:p14="http://schemas.microsoft.com/office/powerpoint/2010/main" Requires="p14">
+  <mc:AlternateContent xmlns:mc="http://schemas.openxmlformats.org/markup-compatibility/2006" xmlns:p14="http://schemas.microsoft.com/office/powerpoint/2010/main">
+    <mc:Choice Requires="p14">
       <p:transition spd="med" p14:dur="700">
         <p:fade/>
       </p:transition>
     </mc:Choice>
-    <mc:Fallback>
+    <mc:Fallback xmlns="">
       <p:transition spd="med">
         <p:fade/>
       </p:transition>
@@ -34478,13 +34378,13 @@
   <p:clrMapOvr>
     <a:masterClrMapping/>
   </p:clrMapOvr>
-  <mc:AlternateContent xmlns:mc="http://schemas.openxmlformats.org/markup-compatibility/2006">
-    <mc:Choice xmlns:p14="http://schemas.microsoft.com/office/powerpoint/2010/main" Requires="p14">
+  <mc:AlternateContent xmlns:mc="http://schemas.openxmlformats.org/markup-compatibility/2006" xmlns:p14="http://schemas.microsoft.com/office/powerpoint/2010/main">
+    <mc:Choice Requires="p14">
       <p:transition spd="med" p14:dur="700">
         <p:fade/>
       </p:transition>
     </mc:Choice>
-    <mc:Fallback>
+    <mc:Fallback xmlns="">
       <p:transition spd="med">
         <p:fade/>
       </p:transition>
@@ -38794,13 +38694,13 @@
   <p:clrMapOvr>
     <a:masterClrMapping/>
   </p:clrMapOvr>
-  <mc:AlternateContent xmlns:mc="http://schemas.openxmlformats.org/markup-compatibility/2006">
-    <mc:Choice xmlns:p14="http://schemas.microsoft.com/office/powerpoint/2010/main" Requires="p14">
+  <mc:AlternateContent xmlns:mc="http://schemas.openxmlformats.org/markup-compatibility/2006" xmlns:p14="http://schemas.microsoft.com/office/powerpoint/2010/main">
+    <mc:Choice Requires="p14">
       <p:transition spd="med" p14:dur="700">
         <p:fade/>
       </p:transition>
     </mc:Choice>
-    <mc:Fallback>
+    <mc:Fallback xmlns="">
       <p:transition spd="med">
         <p:fade/>
       </p:transition>
@@ -39194,13 +39094,13 @@
   <p:clrMapOvr>
     <a:masterClrMapping/>
   </p:clrMapOvr>
-  <mc:AlternateContent xmlns:mc="http://schemas.openxmlformats.org/markup-compatibility/2006">
-    <mc:Choice xmlns:p14="http://schemas.microsoft.com/office/powerpoint/2010/main" Requires="p14">
+  <mc:AlternateContent xmlns:mc="http://schemas.openxmlformats.org/markup-compatibility/2006" xmlns:p14="http://schemas.microsoft.com/office/powerpoint/2010/main">
+    <mc:Choice Requires="p14">
       <p:transition spd="med" p14:dur="700">
         <p:fade/>
       </p:transition>
     </mc:Choice>
-    <mc:Fallback>
+    <mc:Fallback xmlns="">
       <p:transition spd="med">
         <p:fade/>
       </p:transition>
@@ -40109,13 +40009,13 @@
   <p:clrMapOvr>
     <a:masterClrMapping/>
   </p:clrMapOvr>
-  <mc:AlternateContent xmlns:mc="http://schemas.openxmlformats.org/markup-compatibility/2006">
-    <mc:Choice xmlns:p14="http://schemas.microsoft.com/office/powerpoint/2010/main" Requires="p14">
+  <mc:AlternateContent xmlns:mc="http://schemas.openxmlformats.org/markup-compatibility/2006" xmlns:p14="http://schemas.microsoft.com/office/powerpoint/2010/main">
+    <mc:Choice Requires="p14">
       <p:transition spd="med" p14:dur="700">
         <p:fade/>
       </p:transition>
     </mc:Choice>
-    <mc:Fallback>
+    <mc:Fallback xmlns="">
       <p:transition spd="med">
         <p:fade/>
       </p:transition>
@@ -40352,13 +40252,13 @@
   <p:clrMapOvr>
     <a:masterClrMapping/>
   </p:clrMapOvr>
-  <mc:AlternateContent xmlns:mc="http://schemas.openxmlformats.org/markup-compatibility/2006">
-    <mc:Choice xmlns:p14="http://schemas.microsoft.com/office/powerpoint/2010/main" Requires="p14">
+  <mc:AlternateContent xmlns:mc="http://schemas.openxmlformats.org/markup-compatibility/2006" xmlns:p14="http://schemas.microsoft.com/office/powerpoint/2010/main">
+    <mc:Choice Requires="p14">
       <p:transition spd="med" p14:dur="700">
         <p:fade/>
       </p:transition>
     </mc:Choice>
-    <mc:Fallback>
+    <mc:Fallback xmlns="">
       <p:transition spd="med">
         <p:fade/>
       </p:transition>
@@ -40743,13 +40643,13 @@
   <p:clrMapOvr>
     <a:masterClrMapping/>
   </p:clrMapOvr>
-  <mc:AlternateContent xmlns:mc="http://schemas.openxmlformats.org/markup-compatibility/2006">
-    <mc:Choice xmlns:p14="http://schemas.microsoft.com/office/powerpoint/2010/main" Requires="p14">
+  <mc:AlternateContent xmlns:mc="http://schemas.openxmlformats.org/markup-compatibility/2006" xmlns:p14="http://schemas.microsoft.com/office/powerpoint/2010/main">
+    <mc:Choice Requires="p14">
       <p:transition spd="med" p14:dur="700">
         <p:fade/>
       </p:transition>
     </mc:Choice>
-    <mc:Fallback>
+    <mc:Fallback xmlns="">
       <p:transition spd="med">
         <p:fade/>
       </p:transition>
@@ -43306,13 +43206,13 @@
   <p:clrMapOvr>
     <a:masterClrMapping/>
   </p:clrMapOvr>
-  <mc:AlternateContent xmlns:mc="http://schemas.openxmlformats.org/markup-compatibility/2006">
-    <mc:Choice xmlns:p14="http://schemas.microsoft.com/office/powerpoint/2010/main" Requires="p14">
+  <mc:AlternateContent xmlns:mc="http://schemas.openxmlformats.org/markup-compatibility/2006" xmlns:p14="http://schemas.microsoft.com/office/powerpoint/2010/main">
+    <mc:Choice Requires="p14">
       <p:transition spd="med" p14:dur="700">
         <p:fade/>
       </p:transition>
     </mc:Choice>
-    <mc:Fallback>
+    <mc:Fallback xmlns="">
       <p:transition spd="med">
         <p:fade/>
       </p:transition>
@@ -44930,13 +44830,13 @@
   <p:clrMapOvr>
     <a:masterClrMapping/>
   </p:clrMapOvr>
-  <mc:AlternateContent xmlns:mc="http://schemas.openxmlformats.org/markup-compatibility/2006">
-    <mc:Choice xmlns:p14="http://schemas.microsoft.com/office/powerpoint/2010/main" Requires="p14">
+  <mc:AlternateContent xmlns:mc="http://schemas.openxmlformats.org/markup-compatibility/2006" xmlns:p14="http://schemas.microsoft.com/office/powerpoint/2010/main">
+    <mc:Choice Requires="p14">
       <p:transition spd="med" p14:dur="700">
         <p:fade/>
       </p:transition>
     </mc:Choice>
-    <mc:Fallback>
+    <mc:Fallback xmlns="">
       <p:transition spd="med">
         <p:fade/>
       </p:transition>
@@ -49175,13 +49075,13 @@
   <p:clrMapOvr>
     <a:masterClrMapping/>
   </p:clrMapOvr>
-  <mc:AlternateContent xmlns:mc="http://schemas.openxmlformats.org/markup-compatibility/2006">
-    <mc:Choice xmlns:p14="http://schemas.microsoft.com/office/powerpoint/2010/main" Requires="p14">
+  <mc:AlternateContent xmlns:mc="http://schemas.openxmlformats.org/markup-compatibility/2006" xmlns:p14="http://schemas.microsoft.com/office/powerpoint/2010/main">
+    <mc:Choice Requires="p14">
       <p:transition spd="med" p14:dur="700">
         <p:fade/>
       </p:transition>
     </mc:Choice>
-    <mc:Fallback>
+    <mc:Fallback xmlns="">
       <p:transition spd="med">
         <p:fade/>
       </p:transition>
@@ -49660,13 +49560,13 @@
   <p:clrMapOvr>
     <a:masterClrMapping/>
   </p:clrMapOvr>
-  <mc:AlternateContent xmlns:mc="http://schemas.openxmlformats.org/markup-compatibility/2006">
-    <mc:Choice xmlns:p14="http://schemas.microsoft.com/office/powerpoint/2010/main" Requires="p14">
+  <mc:AlternateContent xmlns:mc="http://schemas.openxmlformats.org/markup-compatibility/2006" xmlns:p14="http://schemas.microsoft.com/office/powerpoint/2010/main">
+    <mc:Choice Requires="p14">
       <p:transition spd="med" p14:dur="700">
         <p:fade/>
       </p:transition>
     </mc:Choice>
-    <mc:Fallback>
+    <mc:Fallback xmlns="">
       <p:transition spd="med">
         <p:fade/>
       </p:transition>
@@ -49882,13 +49782,13 @@
   <p:clrMapOvr>
     <a:masterClrMapping/>
   </p:clrMapOvr>
-  <mc:AlternateContent xmlns:mc="http://schemas.openxmlformats.org/markup-compatibility/2006">
-    <mc:Choice xmlns:p14="http://schemas.microsoft.com/office/powerpoint/2010/main" Requires="p14">
+  <mc:AlternateContent xmlns:mc="http://schemas.openxmlformats.org/markup-compatibility/2006" xmlns:p14="http://schemas.microsoft.com/office/powerpoint/2010/main">
+    <mc:Choice Requires="p14">
       <p:transition spd="med" p14:dur="700">
         <p:fade/>
       </p:transition>
     </mc:Choice>
-    <mc:Fallback>
+    <mc:Fallback xmlns="">
       <p:transition spd="med">
         <p:fade/>
       </p:transition>
@@ -50703,13 +50603,13 @@
   <p:clrMapOvr>
     <a:masterClrMapping/>
   </p:clrMapOvr>
-  <mc:AlternateContent xmlns:mc="http://schemas.openxmlformats.org/markup-compatibility/2006">
-    <mc:Choice xmlns:p14="http://schemas.microsoft.com/office/powerpoint/2010/main" Requires="p14">
+  <mc:AlternateContent xmlns:mc="http://schemas.openxmlformats.org/markup-compatibility/2006" xmlns:p14="http://schemas.microsoft.com/office/powerpoint/2010/main">
+    <mc:Choice Requires="p14">
       <p:transition spd="med" p14:dur="700">
         <p:fade/>
       </p:transition>
     </mc:Choice>
-    <mc:Fallback>
+    <mc:Fallback xmlns="">
       <p:transition spd="med">
         <p:fade/>
       </p:transition>
@@ -51416,6 +51316,21 @@
 </file>
 
 <file path=customXml/item1.xml><?xml version="1.0" encoding="utf-8"?>
+<p:properties xmlns:p="http://schemas.microsoft.com/office/2006/metadata/properties" xmlns:xsi="http://www.w3.org/2001/XMLSchema-instance" xmlns:pc="http://schemas.microsoft.com/office/infopath/2007/PartnerControls">
+  <documentManagement/>
+</p:properties>
+</file>
+
+<file path=customXml/item2.xml><?xml version="1.0" encoding="utf-8"?>
+<?mso-contentType ?>
+<FormTemplates xmlns="http://schemas.microsoft.com/sharepoint/v3/contenttype/forms">
+  <Display>DocumentLibraryForm</Display>
+  <Edit>DocumentLibraryForm</Edit>
+  <New>DocumentLibraryForm</New>
+</FormTemplates>
+</file>
+
+<file path=customXml/item3.xml><?xml version="1.0" encoding="utf-8"?>
 <ct:contentTypeSchema xmlns:ct="http://schemas.microsoft.com/office/2006/metadata/contentType" xmlns:ma="http://schemas.microsoft.com/office/2006/metadata/properties/metaAttributes" ct:_="" ma:_="" ma:contentTypeName="文件" ma:contentTypeID="0x0101004D520B0621022B4CA37193CEB4BD4006" ma:contentTypeVersion="13" ma:contentTypeDescription="建立新的文件。" ma:contentTypeScope="" ma:versionID="77ede298dd30e7d317a6160eecc50e68">
   <xsd:schema xmlns:xsd="http://www.w3.org/2001/XMLSchema" xmlns:xs="http://www.w3.org/2001/XMLSchema" xmlns:p="http://schemas.microsoft.com/office/2006/metadata/properties" xmlns:ns2="45e91f00-0250-4a60-970e-f6ee534b485a" xmlns:ns3="03902022-5f07-415b-99da-02f7a843c2d0" targetNamespace="http://schemas.microsoft.com/office/2006/metadata/properties" ma:root="true" ma:fieldsID="1f858079f8ae9e793083bfb45711dca7" ns2:_="" ns3:_="">
     <xsd:import namespace="45e91f00-0250-4a60-970e-f6ee534b485a"/>
@@ -51640,29 +51555,38 @@
 </ct:contentTypeSchema>
 </file>
 
-<file path=customXml/item2.xml><?xml version="1.0" encoding="utf-8"?>
-<?mso-contentType ?>
-<FormTemplates xmlns="http://schemas.microsoft.com/sharepoint/v3/contenttype/forms">
-  <Display>DocumentLibraryForm</Display>
-  <Edit>DocumentLibraryForm</Edit>
-  <New>DocumentLibraryForm</New>
-</FormTemplates>
-</file>
-
-<file path=customXml/item3.xml><?xml version="1.0" encoding="utf-8"?>
-<p:properties xmlns:p="http://schemas.microsoft.com/office/2006/metadata/properties" xmlns:xsi="http://www.w3.org/2001/XMLSchema-instance" xmlns:pc="http://schemas.microsoft.com/office/infopath/2007/PartnerControls">
-  <documentManagement/>
-</p:properties>
-</file>
-
 <file path=customXml/itemProps1.xml><?xml version="1.0" encoding="utf-8"?>
-<ds:datastoreItem xmlns:ds="http://schemas.openxmlformats.org/officeDocument/2006/customXml" ds:itemID="{6F2539A5-C41E-4881-9747-6A6C7A5820FB}"/>
+<ds:datastoreItem xmlns:ds="http://schemas.openxmlformats.org/officeDocument/2006/customXml" ds:itemID="{0053BF8C-68F5-442C-AEFC-1F734A50B2B0}">
+  <ds:schemaRefs>
+    <ds:schemaRef ds:uri="http://schemas.microsoft.com/office/2006/metadata/properties"/>
+    <ds:schemaRef ds:uri="http://schemas.microsoft.com/office/infopath/2007/PartnerControls"/>
+  </ds:schemaRefs>
+</ds:datastoreItem>
 </file>
 
 <file path=customXml/itemProps2.xml><?xml version="1.0" encoding="utf-8"?>
-<ds:datastoreItem xmlns:ds="http://schemas.openxmlformats.org/officeDocument/2006/customXml" ds:itemID="{1EF5AE3D-6E30-4F9C-ABC4-0EC56A8FDEF6}"/>
+<ds:datastoreItem xmlns:ds="http://schemas.openxmlformats.org/officeDocument/2006/customXml" ds:itemID="{1EF5AE3D-6E30-4F9C-ABC4-0EC56A8FDEF6}">
+  <ds:schemaRefs>
+    <ds:schemaRef ds:uri="http://schemas.microsoft.com/sharepoint/v3/contenttype/forms"/>
+  </ds:schemaRefs>
+</ds:datastoreItem>
 </file>
 
 <file path=customXml/itemProps3.xml><?xml version="1.0" encoding="utf-8"?>
-<ds:datastoreItem xmlns:ds="http://schemas.openxmlformats.org/officeDocument/2006/customXml" ds:itemID="{0053BF8C-68F5-442C-AEFC-1F734A50B2B0}"/>
+<ds:datastoreItem xmlns:ds="http://schemas.openxmlformats.org/officeDocument/2006/customXml" ds:itemID="{6F2539A5-C41E-4881-9747-6A6C7A5820FB}">
+  <ds:schemaRefs>
+    <ds:schemaRef ds:uri="http://schemas.microsoft.com/office/2006/metadata/contentType"/>
+    <ds:schemaRef ds:uri="http://schemas.microsoft.com/office/2006/metadata/properties/metaAttributes"/>
+    <ds:schemaRef ds:uri="http://www.w3.org/2001/XMLSchema"/>
+    <ds:schemaRef ds:uri="http://schemas.microsoft.com/office/2006/metadata/properties"/>
+    <ds:schemaRef ds:uri="45e91f00-0250-4a60-970e-f6ee534b485a"/>
+    <ds:schemaRef ds:uri="03902022-5f07-415b-99da-02f7a843c2d0"/>
+    <ds:schemaRef ds:uri="http://schemas.microsoft.com/office/2006/documentManagement/types"/>
+    <ds:schemaRef ds:uri="http://schemas.microsoft.com/office/infopath/2007/PartnerControls"/>
+    <ds:schemaRef ds:uri="http://schemas.openxmlformats.org/package/2006/metadata/core-properties"/>
+    <ds:schemaRef ds:uri="http://purl.org/dc/elements/1.1/"/>
+    <ds:schemaRef ds:uri="http://purl.org/dc/terms/"/>
+    <ds:schemaRef ds:uri="http://schemas.microsoft.com/internal/obd"/>
+  </ds:schemaRefs>
+</ds:datastoreItem>
 </file>
--- a/项目文档/需求分析.pptx
+++ b/项目文档/需求分析.pptx
@@ -6,7 +6,7 @@
     <p:sldMasterId id="2147483659" r:id="rId2"/>
   </p:sldMasterIdLst>
   <p:notesMasterIdLst>
-    <p:notesMasterId r:id="rId18"/>
+    <p:notesMasterId r:id="rId19"/>
   </p:notesMasterIdLst>
   <p:sldIdLst>
     <p:sldId id="274" r:id="rId3"/>
@@ -20,15 +20,16 @@
     <p:sldId id="268" r:id="rId11"/>
     <p:sldId id="291" r:id="rId12"/>
     <p:sldId id="269" r:id="rId13"/>
-    <p:sldId id="292" r:id="rId14"/>
-    <p:sldId id="272" r:id="rId15"/>
-    <p:sldId id="293" r:id="rId16"/>
-    <p:sldId id="294" r:id="rId17"/>
+    <p:sldId id="297" r:id="rId14"/>
+    <p:sldId id="292" r:id="rId15"/>
+    <p:sldId id="272" r:id="rId16"/>
+    <p:sldId id="293" r:id="rId17"/>
+    <p:sldId id="294" r:id="rId18"/>
   </p:sldIdLst>
   <p:sldSz cx="12192000" cy="6858000"/>
   <p:notesSz cx="7104063" cy="10234613"/>
   <p:custDataLst>
-    <p:tags r:id="rId19"/>
+    <p:tags r:id="rId20"/>
   </p:custDataLst>
   <p:defaultTextStyle>
     <a:defPPr>
@@ -215,7 +216,7 @@
           <a:p>
             <a:fld id="{D2A48B96-639E-45A3-A0BA-2464DFDB1FAA}" type="datetimeFigureOut">
               <a:rPr lang="zh-CN" altLang="en-US" smtClean="0"/>
-              <a:t>2019/10/8</a:t>
+              <a:t>2019/10/15</a:t>
             </a:fld>
             <a:endParaRPr lang="zh-CN" altLang="en-US"/>
           </a:p>
@@ -637,7 +638,7 @@
           <a:p>
             <a:fld id="{A6837353-30EB-4A48-80EB-173D804AEFBD}" type="slidenum">
               <a:rPr lang="zh-CN" altLang="en-US" smtClean="0"/>
-              <a:t>12</a:t>
+              <a:t>13</a:t>
             </a:fld>
             <a:endParaRPr lang="zh-CN" altLang="en-US"/>
           </a:p>
@@ -726,7 +727,7 @@
           <a:p>
             <a:fld id="{A6837353-30EB-4A48-80EB-173D804AEFBD}" type="slidenum">
               <a:rPr lang="zh-CN" altLang="en-US" smtClean="0"/>
-              <a:t>13</a:t>
+              <a:t>14</a:t>
             </a:fld>
             <a:endParaRPr lang="zh-CN" altLang="en-US"/>
           </a:p>
@@ -815,7 +816,7 @@
           <a:p>
             <a:fld id="{A6837353-30EB-4A48-80EB-173D804AEFBD}" type="slidenum">
               <a:rPr lang="zh-CN" altLang="en-US" smtClean="0"/>
-              <a:t>14</a:t>
+              <a:t>15</a:t>
             </a:fld>
             <a:endParaRPr lang="zh-CN" altLang="en-US"/>
           </a:p>
@@ -904,7 +905,7 @@
           <a:p>
             <a:fld id="{A6837353-30EB-4A48-80EB-173D804AEFBD}" type="slidenum">
               <a:rPr lang="zh-CN" altLang="en-US" smtClean="0"/>
-              <a:t>15</a:t>
+              <a:t>16</a:t>
             </a:fld>
             <a:endParaRPr lang="zh-CN" altLang="en-US"/>
           </a:p>
@@ -1950,7 +1951,7 @@
           <a:p>
             <a:fld id="{82F288E0-7875-42C4-84C8-98DBBD3BF4D2}" type="datetimeFigureOut">
               <a:rPr lang="zh-CN" altLang="en-US" smtClean="0"/>
-              <a:t>2019/10/8</a:t>
+              <a:t>2019/10/15</a:t>
             </a:fld>
             <a:endParaRPr lang="zh-CN" altLang="en-US"/>
           </a:p>
@@ -2063,7 +2064,7 @@
           <a:p>
             <a:fld id="{82F288E0-7875-42C4-84C8-98DBBD3BF4D2}" type="datetimeFigureOut">
               <a:rPr lang="zh-CN" altLang="en-US" smtClean="0"/>
-              <a:t>2019/10/8</a:t>
+              <a:t>2019/10/15</a:t>
             </a:fld>
             <a:endParaRPr lang="zh-CN" altLang="en-US" dirty="0"/>
           </a:p>
@@ -2176,7 +2177,7 @@
           <a:p>
             <a:fld id="{82F288E0-7875-42C4-84C8-98DBBD3BF4D2}" type="datetimeFigureOut">
               <a:rPr lang="zh-CN" altLang="en-US" smtClean="0"/>
-              <a:t>2019/10/8</a:t>
+              <a:t>2019/10/15</a:t>
             </a:fld>
             <a:endParaRPr lang="zh-CN" altLang="en-US" dirty="0"/>
           </a:p>
@@ -4636,7 +4637,7 @@
   </p:clrMapOvr>
   <mc:AlternateContent xmlns:mc="http://schemas.openxmlformats.org/markup-compatibility/2006">
     <mc:Choice xmlns:p14="http://schemas.microsoft.com/office/powerpoint/2010/main" Requires="p14">
-      <p:transition p14:dur="0"/>
+      <p:transition p14:dur="10"/>
     </mc:Choice>
     <mc:Fallback>
       <p:transition/>
@@ -5666,11 +5667,11 @@
   <p:clrMapOvr>
     <a:masterClrMapping/>
   </p:clrMapOvr>
-  <mc:AlternateContent xmlns:mc="http://schemas.openxmlformats.org/markup-compatibility/2006">
-    <mc:Choice xmlns:p14="http://schemas.microsoft.com/office/powerpoint/2010/main" Requires="p14">
+  <mc:AlternateContent xmlns:mc="http://schemas.openxmlformats.org/markup-compatibility/2006" xmlns:p14="http://schemas.microsoft.com/office/powerpoint/2010/main">
+    <mc:Choice Requires="p14">
       <p:transition p14:dur="0"/>
     </mc:Choice>
-    <mc:Fallback>
+    <mc:Fallback xmlns="">
       <p:transition/>
     </mc:Fallback>
   </mc:AlternateContent>
@@ -8543,11 +8544,11 @@
   <p:clrMapOvr>
     <a:masterClrMapping/>
   </p:clrMapOvr>
-  <mc:AlternateContent xmlns:mc="http://schemas.openxmlformats.org/markup-compatibility/2006">
-    <mc:Choice xmlns:p14="http://schemas.microsoft.com/office/powerpoint/2010/main" Requires="p14">
+  <mc:AlternateContent xmlns:mc="http://schemas.openxmlformats.org/markup-compatibility/2006" xmlns:p14="http://schemas.microsoft.com/office/powerpoint/2010/main">
+    <mc:Choice Requires="p14">
       <p:transition p14:dur="0"/>
     </mc:Choice>
-    <mc:Fallback>
+    <mc:Fallback xmlns="">
       <p:transition/>
     </mc:Fallback>
   </mc:AlternateContent>
@@ -9083,6 +9084,209 @@
 </file>
 
 <file path=ppt/slides/slide12.xml><?xml version="1.0" encoding="utf-8"?>
+<p:sld xmlns:a="http://schemas.openxmlformats.org/drawingml/2006/main" xmlns:r="http://schemas.openxmlformats.org/officeDocument/2006/relationships" xmlns:p="http://schemas.openxmlformats.org/presentationml/2006/main">
+  <p:cSld>
+    <p:spTree>
+      <p:nvGrpSpPr>
+        <p:cNvPr id="1" name=""/>
+        <p:cNvGrpSpPr/>
+        <p:nvPr/>
+      </p:nvGrpSpPr>
+      <p:grpSpPr>
+        <a:xfrm>
+          <a:off x="0" y="0"/>
+          <a:ext cx="0" cy="0"/>
+          <a:chOff x="0" y="0"/>
+          <a:chExt cx="0" cy="0"/>
+        </a:xfrm>
+      </p:grpSpPr>
+      <p:sp>
+        <p:nvSpPr>
+          <p:cNvPr id="2" name="文本框 1">
+            <a:extLst>
+              <a:ext uri="{FF2B5EF4-FFF2-40B4-BE49-F238E27FC236}">
+                <a16:creationId xmlns:a16="http://schemas.microsoft.com/office/drawing/2014/main" id="{DB00F38A-B7A9-4E3B-8E99-00924606603F}"/>
+              </a:ext>
+            </a:extLst>
+          </p:cNvPr>
+          <p:cNvSpPr txBox="1"/>
+          <p:nvPr/>
+        </p:nvSpPr>
+        <p:spPr>
+          <a:xfrm>
+            <a:off x="3111615" y="3151648"/>
+            <a:ext cx="5327273" cy="307454"/>
+          </a:xfrm>
+          <a:prstGeom prst="rect">
+            <a:avLst/>
+          </a:prstGeom>
+          <a:noFill/>
+        </p:spPr>
+        <p:txBody>
+          <a:bodyPr wrap="square" lIns="91436" tIns="45719" rIns="91436" bIns="45719" rtlCol="0">
+            <a:spAutoFit/>
+          </a:bodyPr>
+          <a:lstStyle/>
+          <a:p>
+            <a:pPr algn="ctr">
+              <a:lnSpc>
+                <a:spcPct val="130000"/>
+              </a:lnSpc>
+            </a:pPr>
+            <a:r>
+              <a:rPr lang="zh-CN" altLang="en-US" sz="1200" dirty="0">
+                <a:solidFill>
+                  <a:schemeClr val="tx1">
+                    <a:lumMod val="50000"/>
+                    <a:lumOff val="50000"/>
+                  </a:schemeClr>
+                </a:solidFill>
+                <a:cs typeface="+mn-ea"/>
+                <a:sym typeface="+mn-lt"/>
+              </a:rPr>
+              <a:t>分析结果见</a:t>
+            </a:r>
+            <a:r>
+              <a:rPr lang="zh-CN" altLang="en-US" sz="1200" dirty="0">
+                <a:solidFill>
+                  <a:schemeClr val="tx1">
+                    <a:lumMod val="50000"/>
+                    <a:lumOff val="50000"/>
+                  </a:schemeClr>
+                </a:solidFill>
+                <a:cs typeface="+mn-ea"/>
+                <a:sym typeface="+mn-lt"/>
+                <a:hlinkClick r:id="rId2"/>
+              </a:rPr>
+              <a:t>图片</a:t>
+            </a:r>
+            <a:endParaRPr lang="en-US" altLang="zh-CN" sz="1200" dirty="0">
+              <a:solidFill>
+                <a:schemeClr val="tx1">
+                  <a:lumMod val="50000"/>
+                  <a:lumOff val="50000"/>
+                </a:schemeClr>
+              </a:solidFill>
+              <a:cs typeface="+mn-ea"/>
+              <a:sym typeface="+mn-lt"/>
+            </a:endParaRPr>
+          </a:p>
+        </p:txBody>
+      </p:sp>
+    </p:spTree>
+    <p:extLst>
+      <p:ext uri="{BB962C8B-B14F-4D97-AF65-F5344CB8AC3E}">
+        <p14:creationId xmlns:p14="http://schemas.microsoft.com/office/powerpoint/2010/main" val="4094811637"/>
+      </p:ext>
+    </p:extLst>
+  </p:cSld>
+  <p:clrMapOvr>
+    <a:masterClrMapping/>
+  </p:clrMapOvr>
+  <mc:AlternateContent xmlns:mc="http://schemas.openxmlformats.org/markup-compatibility/2006">
+    <mc:Choice xmlns:p14="http://schemas.microsoft.com/office/powerpoint/2010/main" Requires="p14">
+      <p:transition p14:dur="0"/>
+    </mc:Choice>
+    <mc:Fallback>
+      <p:transition/>
+    </mc:Fallback>
+  </mc:AlternateContent>
+  <p:timing>
+    <p:tnLst>
+      <p:par>
+        <p:cTn id="1" dur="indefinite" restart="never" nodeType="tmRoot">
+          <p:childTnLst>
+            <p:seq concurrent="1" nextAc="seek">
+              <p:cTn id="2" dur="indefinite" nodeType="mainSeq">
+                <p:childTnLst>
+                  <p:par>
+                    <p:cTn id="3" fill="hold">
+                      <p:stCondLst>
+                        <p:cond delay="indefinite"/>
+                        <p:cond evt="onBegin" delay="0">
+                          <p:tn val="2"/>
+                        </p:cond>
+                      </p:stCondLst>
+                      <p:childTnLst>
+                        <p:par>
+                          <p:cTn id="4" fill="hold">
+                            <p:stCondLst>
+                              <p:cond delay="0"/>
+                            </p:stCondLst>
+                            <p:childTnLst>
+                              <p:par>
+                                <p:cTn id="5" presetID="10" presetClass="entr" presetSubtype="0" fill="hold" grpId="0" nodeType="afterEffect">
+                                  <p:stCondLst>
+                                    <p:cond delay="0"/>
+                                  </p:stCondLst>
+                                  <p:iterate type="lt">
+                                    <p:tmPct val="10000"/>
+                                  </p:iterate>
+                                  <p:childTnLst>
+                                    <p:set>
+                                      <p:cBhvr>
+                                        <p:cTn id="6" dur="1" fill="hold">
+                                          <p:stCondLst>
+                                            <p:cond delay="0"/>
+                                          </p:stCondLst>
+                                        </p:cTn>
+                                        <p:tgtEl>
+                                          <p:spTgt spid="2"/>
+                                        </p:tgtEl>
+                                        <p:attrNameLst>
+                                          <p:attrName>style.visibility</p:attrName>
+                                        </p:attrNameLst>
+                                      </p:cBhvr>
+                                      <p:to>
+                                        <p:strVal val="visible"/>
+                                      </p:to>
+                                    </p:set>
+                                    <p:animEffect transition="in" filter="fade">
+                                      <p:cBhvr>
+                                        <p:cTn id="7" dur="500"/>
+                                        <p:tgtEl>
+                                          <p:spTgt spid="2"/>
+                                        </p:tgtEl>
+                                      </p:cBhvr>
+                                    </p:animEffect>
+                                  </p:childTnLst>
+                                </p:cTn>
+                              </p:par>
+                            </p:childTnLst>
+                          </p:cTn>
+                        </p:par>
+                      </p:childTnLst>
+                    </p:cTn>
+                  </p:par>
+                </p:childTnLst>
+              </p:cTn>
+              <p:prevCondLst>
+                <p:cond evt="onPrev" delay="0">
+                  <p:tgtEl>
+                    <p:sldTgt/>
+                  </p:tgtEl>
+                </p:cond>
+              </p:prevCondLst>
+              <p:nextCondLst>
+                <p:cond evt="onNext" delay="0">
+                  <p:tgtEl>
+                    <p:sldTgt/>
+                  </p:tgtEl>
+                </p:cond>
+              </p:nextCondLst>
+            </p:seq>
+          </p:childTnLst>
+        </p:cTn>
+      </p:par>
+    </p:tnLst>
+    <p:bldLst>
+      <p:bldP spid="2" grpId="0"/>
+    </p:bldLst>
+  </p:timing>
+</p:sld>
+</file>
+
+<file path=ppt/slides/slide13.xml><?xml version="1.0" encoding="utf-8"?>
 <p:sld xmlns:a="http://schemas.openxmlformats.org/drawingml/2006/main" xmlns:r="http://schemas.openxmlformats.org/officeDocument/2006/relationships" xmlns:p="http://schemas.openxmlformats.org/presentationml/2006/main">
   <p:cSld>
     <p:spTree>
@@ -9463,11 +9667,11 @@
   <p:clrMapOvr>
     <a:masterClrMapping/>
   </p:clrMapOvr>
-  <mc:AlternateContent xmlns:mc="http://schemas.openxmlformats.org/markup-compatibility/2006">
-    <mc:Choice xmlns:p14="http://schemas.microsoft.com/office/powerpoint/2010/main" Requires="p14">
+  <mc:AlternateContent xmlns:mc="http://schemas.openxmlformats.org/markup-compatibility/2006" xmlns:p14="http://schemas.microsoft.com/office/powerpoint/2010/main">
+    <mc:Choice Requires="p14">
       <p:transition p14:dur="0"/>
     </mc:Choice>
-    <mc:Fallback>
+    <mc:Fallback xmlns="">
       <p:transition/>
     </mc:Fallback>
   </mc:AlternateContent>
@@ -10108,7 +10312,7 @@
 </p:sld>
 </file>
 
-<file path=ppt/slides/slide13.xml><?xml version="1.0" encoding="utf-8"?>
+<file path=ppt/slides/slide14.xml><?xml version="1.0" encoding="utf-8"?>
 <p:sld xmlns:a="http://schemas.openxmlformats.org/drawingml/2006/main" xmlns:r="http://schemas.openxmlformats.org/officeDocument/2006/relationships" xmlns:p="http://schemas.openxmlformats.org/presentationml/2006/main">
   <p:cSld>
     <p:spTree>
@@ -11118,7 +11322,35 @@
                 <a:cs typeface="+mn-ea"/>
                 <a:sym typeface="+mn-lt"/>
               </a:rPr>
-              <a:t>单击此处可编辑内容</a:t>
+              <a:t>基础：导入</a:t>
+            </a:r>
+            <a:r>
+              <a:rPr lang="en-US" altLang="zh-CN" sz="1200" dirty="0">
+                <a:solidFill>
+                  <a:schemeClr val="accent1">
+                    <a:lumMod val="75000"/>
+                  </a:schemeClr>
+                </a:solidFill>
+                <a:latin typeface="+mn-lt"/>
+                <a:ea typeface="+mn-ea"/>
+                <a:cs typeface="+mn-ea"/>
+                <a:sym typeface="+mn-lt"/>
+              </a:rPr>
+              <a:t>pdf</a:t>
+            </a:r>
+            <a:r>
+              <a:rPr lang="zh-CN" altLang="en-US" sz="1200" dirty="0">
+                <a:solidFill>
+                  <a:schemeClr val="accent1">
+                    <a:lumMod val="75000"/>
+                  </a:schemeClr>
+                </a:solidFill>
+                <a:latin typeface="+mn-lt"/>
+                <a:ea typeface="+mn-ea"/>
+                <a:cs typeface="+mn-ea"/>
+                <a:sym typeface="+mn-lt"/>
+              </a:rPr>
+              <a:t>文件，识别课程</a:t>
             </a:r>
             <a:endParaRPr lang="da-DK" altLang="zh-CN" sz="1200" dirty="0">
               <a:solidFill>
@@ -11165,7 +11397,7 @@
                 <a:cs typeface="+mn-ea"/>
                 <a:sym typeface="+mn-lt"/>
               </a:rPr>
-              <a:t>单击此处可编辑内容</a:t>
+              <a:t>进阶：导入图片，识别课程</a:t>
             </a:r>
             <a:endParaRPr lang="en-US" altLang="zh-CN" sz="1200" dirty="0">
               <a:solidFill>
@@ -11369,7 +11601,7 @@
                 <a:cs typeface="+mn-ea"/>
                 <a:sym typeface="+mn-lt"/>
               </a:rPr>
-              <a:t>单击此处可编辑内容</a:t>
+              <a:t>基础：创新的时间轴模式安排空闲</a:t>
             </a:r>
             <a:endParaRPr lang="da-DK" altLang="zh-CN" sz="1200" dirty="0">
               <a:solidFill>
@@ -11416,7 +11648,7 @@
                 <a:cs typeface="+mn-ea"/>
                 <a:sym typeface="+mn-lt"/>
               </a:rPr>
-              <a:t>单击此处可编辑内容</a:t>
+              <a:t>进阶：智能识别内容，给予用户指导</a:t>
             </a:r>
           </a:p>
         </p:txBody>
@@ -11609,7 +11841,7 @@
                 <a:cs typeface="+mn-ea"/>
                 <a:sym typeface="+mn-lt"/>
               </a:rPr>
-              <a:t>单击此处可编辑内容</a:t>
+              <a:t>基础：通过邮箱提醒用户</a:t>
             </a:r>
             <a:endParaRPr lang="da-DK" altLang="zh-CN" sz="1200" dirty="0">
               <a:solidFill>
@@ -11656,7 +11888,7 @@
                 <a:cs typeface="+mn-ea"/>
                 <a:sym typeface="+mn-lt"/>
               </a:rPr>
-              <a:t>单击此处可编辑内容</a:t>
+              <a:t>进阶：依据不同事务，设置提醒时刻</a:t>
             </a:r>
           </a:p>
         </p:txBody>
@@ -11849,7 +12081,7 @@
                 <a:cs typeface="+mn-ea"/>
                 <a:sym typeface="+mn-lt"/>
               </a:rPr>
-              <a:t>单击此处可编辑内容</a:t>
+              <a:t>基础：录入通知、新闻推送</a:t>
             </a:r>
             <a:endParaRPr lang="da-DK" altLang="zh-CN" sz="1200" dirty="0">
               <a:solidFill>
@@ -11896,7 +12128,7 @@
                 <a:cs typeface="+mn-ea"/>
                 <a:sym typeface="+mn-lt"/>
               </a:rPr>
-              <a:t>单击此处可编辑内容</a:t>
+              <a:t>进阶：智能优化推送内容，减少无关性</a:t>
             </a:r>
           </a:p>
         </p:txBody>
@@ -12169,7 +12401,7 @@
         <p:spPr bwMode="auto">
           <a:xfrm>
             <a:off x="7474903" y="5461753"/>
-            <a:ext cx="2938463" cy="1054100"/>
+            <a:ext cx="3830406" cy="1054100"/>
           </a:xfrm>
           <a:prstGeom prst="rect">
             <a:avLst/>
@@ -12342,7 +12574,7 @@
                 <a:cs typeface="+mn-ea"/>
                 <a:sym typeface="+mn-lt"/>
               </a:rPr>
-              <a:t>单击此处可编辑内容</a:t>
+              <a:t>基础：找到拥有相似目标的人，共制学习计划</a:t>
             </a:r>
             <a:endParaRPr lang="da-DK" altLang="zh-CN" sz="1200" dirty="0">
               <a:solidFill>
@@ -12389,7 +12621,7 @@
                 <a:cs typeface="+mn-ea"/>
                 <a:sym typeface="+mn-lt"/>
               </a:rPr>
-              <a:t>单击此处可编辑内容</a:t>
+              <a:t>进阶：补加可靠机制，督促双方学习</a:t>
             </a:r>
           </a:p>
         </p:txBody>
@@ -12407,11 +12639,11 @@
   <p:clrMapOvr>
     <a:masterClrMapping/>
   </p:clrMapOvr>
-  <mc:AlternateContent xmlns:mc="http://schemas.openxmlformats.org/markup-compatibility/2006">
-    <mc:Choice xmlns:p14="http://schemas.microsoft.com/office/powerpoint/2010/main" Requires="p14">
+  <mc:AlternateContent xmlns:mc="http://schemas.openxmlformats.org/markup-compatibility/2006" xmlns:p14="http://schemas.microsoft.com/office/powerpoint/2010/main">
+    <mc:Choice Requires="p14">
       <p:transition p14:dur="0"/>
     </mc:Choice>
-    <mc:Fallback>
+    <mc:Fallback xmlns="">
       <p:transition/>
     </mc:Fallback>
   </mc:AlternateContent>
@@ -16373,7 +16605,7 @@
 </p:sld>
 </file>
 
-<file path=ppt/slides/slide14.xml><?xml version="1.0" encoding="utf-8"?>
+<file path=ppt/slides/slide15.xml><?xml version="1.0" encoding="utf-8"?>
 <p:sld xmlns:a="http://schemas.openxmlformats.org/drawingml/2006/main" xmlns:r="http://schemas.openxmlformats.org/officeDocument/2006/relationships" xmlns:p="http://schemas.openxmlformats.org/presentationml/2006/main">
   <p:cSld>
     <p:spTree>
@@ -16712,11 +16944,11 @@
   <p:clrMapOvr>
     <a:masterClrMapping/>
   </p:clrMapOvr>
-  <mc:AlternateContent xmlns:mc="http://schemas.openxmlformats.org/markup-compatibility/2006">
-    <mc:Choice xmlns:p14="http://schemas.microsoft.com/office/powerpoint/2010/main" Requires="p14">
+  <mc:AlternateContent xmlns:mc="http://schemas.openxmlformats.org/markup-compatibility/2006" xmlns:p14="http://schemas.microsoft.com/office/powerpoint/2010/main">
+    <mc:Choice Requires="p14">
       <p:transition p14:dur="0"/>
     </mc:Choice>
-    <mc:Fallback>
+    <mc:Fallback xmlns="">
       <p:transition/>
     </mc:Fallback>
   </mc:AlternateContent>
@@ -17275,7 +17507,7 @@
 </p:sld>
 </file>
 
-<file path=ppt/slides/slide15.xml><?xml version="1.0" encoding="utf-8"?>
+<file path=ppt/slides/slide16.xml><?xml version="1.0" encoding="utf-8"?>
 <p:sld xmlns:a="http://schemas.openxmlformats.org/drawingml/2006/main" xmlns:r="http://schemas.openxmlformats.org/officeDocument/2006/relationships" xmlns:p="http://schemas.openxmlformats.org/presentationml/2006/main">
   <p:cSld>
     <p:spTree>
@@ -17673,11 +17905,11 @@
   <p:clrMapOvr>
     <a:masterClrMapping/>
   </p:clrMapOvr>
-  <mc:AlternateContent xmlns:mc="http://schemas.openxmlformats.org/markup-compatibility/2006">
-    <mc:Choice xmlns:p14="http://schemas.microsoft.com/office/powerpoint/2010/main" Requires="p14">
+  <mc:AlternateContent xmlns:mc="http://schemas.openxmlformats.org/markup-compatibility/2006" xmlns:p14="http://schemas.microsoft.com/office/powerpoint/2010/main">
+    <mc:Choice Requires="p14">
       <p:transition p14:dur="0"/>
     </mc:Choice>
-    <mc:Fallback>
+    <mc:Fallback xmlns="">
       <p:transition/>
     </mc:Fallback>
   </mc:AlternateContent>
@@ -17937,8 +18169,8 @@
         </p:nvSpPr>
         <p:spPr>
           <a:xfrm>
-            <a:off x="3881041" y="2330728"/>
-            <a:ext cx="4429917" cy="2196544"/>
+            <a:off x="3881041" y="2330119"/>
+            <a:ext cx="4429917" cy="2750542"/>
           </a:xfrm>
           <a:prstGeom prst="rect">
             <a:avLst/>
@@ -17992,7 +18224,7 @@
                 <a:cs typeface="+mn-ea"/>
                 <a:sym typeface="+mn-lt"/>
               </a:rPr>
-              <a:t>上课、学习计划、乘校车、浏览学校新闻公告、交流学习这些都是大学生的日常，尽管每天都重复着这些日常，但依旧不是所有人都能把上课地点时间不能牢记于心，都能记得学习计划，都能摸清奇怪的校车发班点，都能时常阅览教务处上的新闻、公告，都能找到一个交于心共同学习进步的人</a:t>
+              <a:t>项目的运行环境是：</a:t>
             </a:r>
             <a:r>
               <a:rPr lang="en-US" altLang="zh-CN" sz="1200" b="1" dirty="0">
@@ -18005,7 +18237,248 @@
                 <a:cs typeface="+mn-ea"/>
                 <a:sym typeface="+mn-lt"/>
               </a:rPr>
-              <a:t>……</a:t>
+              <a:t>jdk13</a:t>
+            </a:r>
+          </a:p>
+          <a:p>
+            <a:pPr>
+              <a:lnSpc>
+                <a:spcPct val="150000"/>
+              </a:lnSpc>
+            </a:pPr>
+            <a:r>
+              <a:rPr lang="zh-CN" altLang="en-US" sz="1200" b="1" dirty="0">
+                <a:solidFill>
+                  <a:schemeClr val="tx1">
+                    <a:lumMod val="50000"/>
+                    <a:lumOff val="50000"/>
+                  </a:schemeClr>
+                </a:solidFill>
+                <a:cs typeface="+mn-ea"/>
+                <a:sym typeface="+mn-lt"/>
+              </a:rPr>
+              <a:t>源代码开发工具：</a:t>
+            </a:r>
+            <a:r>
+              <a:rPr lang="en-US" altLang="zh-CN" sz="1200" b="1" dirty="0">
+                <a:solidFill>
+                  <a:schemeClr val="tx1">
+                    <a:lumMod val="50000"/>
+                    <a:lumOff val="50000"/>
+                  </a:schemeClr>
+                </a:solidFill>
+                <a:cs typeface="+mn-ea"/>
+                <a:sym typeface="+mn-lt"/>
+              </a:rPr>
+              <a:t>eclipse + </a:t>
+            </a:r>
+            <a:r>
+              <a:rPr lang="en-US" altLang="zh-CN" sz="1200" b="1" dirty="0" err="1">
+                <a:solidFill>
+                  <a:schemeClr val="tx1">
+                    <a:lumMod val="50000"/>
+                    <a:lumOff val="50000"/>
+                  </a:schemeClr>
+                </a:solidFill>
+                <a:cs typeface="+mn-ea"/>
+                <a:sym typeface="+mn-lt"/>
+              </a:rPr>
+              <a:t>WindowsBuilder</a:t>
+            </a:r>
+            <a:endParaRPr lang="en-US" altLang="zh-CN" sz="1200" b="1" dirty="0">
+              <a:solidFill>
+                <a:schemeClr val="tx1">
+                  <a:lumMod val="50000"/>
+                  <a:lumOff val="50000"/>
+                </a:schemeClr>
+              </a:solidFill>
+              <a:cs typeface="+mn-ea"/>
+              <a:sym typeface="+mn-lt"/>
+            </a:endParaRPr>
+          </a:p>
+          <a:p>
+            <a:pPr>
+              <a:lnSpc>
+                <a:spcPct val="150000"/>
+              </a:lnSpc>
+            </a:pPr>
+            <a:r>
+              <a:rPr lang="zh-CN" altLang="en-US" sz="1200" b="1" dirty="0">
+                <a:solidFill>
+                  <a:schemeClr val="tx1">
+                    <a:lumMod val="50000"/>
+                    <a:lumOff val="50000"/>
+                  </a:schemeClr>
+                </a:solidFill>
+                <a:cs typeface="+mn-ea"/>
+                <a:sym typeface="+mn-lt"/>
+              </a:rPr>
+              <a:t>界面设计工具：墨刀（个人版）</a:t>
+            </a:r>
+            <a:endParaRPr lang="en-US" altLang="zh-CN" sz="1200" b="1" dirty="0">
+              <a:solidFill>
+                <a:schemeClr val="tx1">
+                  <a:lumMod val="50000"/>
+                  <a:lumOff val="50000"/>
+                </a:schemeClr>
+              </a:solidFill>
+              <a:cs typeface="+mn-ea"/>
+              <a:sym typeface="+mn-lt"/>
+            </a:endParaRPr>
+          </a:p>
+          <a:p>
+            <a:pPr>
+              <a:lnSpc>
+                <a:spcPct val="150000"/>
+              </a:lnSpc>
+            </a:pPr>
+            <a:r>
+              <a:rPr lang="zh-CN" altLang="en-US" sz="1200" b="1" dirty="0">
+                <a:solidFill>
+                  <a:schemeClr val="tx1">
+                    <a:lumMod val="50000"/>
+                    <a:lumOff val="50000"/>
+                  </a:schemeClr>
+                </a:solidFill>
+                <a:cs typeface="+mn-ea"/>
+                <a:sym typeface="+mn-lt"/>
+              </a:rPr>
+              <a:t>操作系统：</a:t>
+            </a:r>
+            <a:r>
+              <a:rPr lang="en-US" altLang="zh-CN" sz="1200" b="1" dirty="0">
+                <a:solidFill>
+                  <a:schemeClr val="tx1">
+                    <a:lumMod val="50000"/>
+                    <a:lumOff val="50000"/>
+                  </a:schemeClr>
+                </a:solidFill>
+                <a:cs typeface="+mn-ea"/>
+                <a:sym typeface="+mn-lt"/>
+              </a:rPr>
+              <a:t>Windows/Ubuntu</a:t>
+            </a:r>
+          </a:p>
+          <a:p>
+            <a:pPr>
+              <a:lnSpc>
+                <a:spcPct val="150000"/>
+              </a:lnSpc>
+            </a:pPr>
+            <a:r>
+              <a:rPr lang="zh-CN" altLang="en-US" sz="1200" b="1" dirty="0">
+                <a:solidFill>
+                  <a:schemeClr val="tx1">
+                    <a:lumMod val="50000"/>
+                    <a:lumOff val="50000"/>
+                  </a:schemeClr>
+                </a:solidFill>
+                <a:cs typeface="+mn-ea"/>
+                <a:sym typeface="+mn-lt"/>
+              </a:rPr>
+              <a:t>项目托管平台：</a:t>
+            </a:r>
+            <a:r>
+              <a:rPr lang="en-US" altLang="zh-CN" sz="1200" b="1" dirty="0">
+                <a:solidFill>
+                  <a:schemeClr val="tx1">
+                    <a:lumMod val="50000"/>
+                    <a:lumOff val="50000"/>
+                  </a:schemeClr>
+                </a:solidFill>
+                <a:cs typeface="+mn-ea"/>
+                <a:sym typeface="+mn-lt"/>
+              </a:rPr>
+              <a:t>GitHub</a:t>
+            </a:r>
+          </a:p>
+          <a:p>
+            <a:pPr>
+              <a:lnSpc>
+                <a:spcPct val="150000"/>
+              </a:lnSpc>
+            </a:pPr>
+            <a:r>
+              <a:rPr lang="zh-CN" altLang="en-US" sz="1200" b="1" dirty="0">
+                <a:solidFill>
+                  <a:schemeClr val="tx1">
+                    <a:lumMod val="50000"/>
+                    <a:lumOff val="50000"/>
+                  </a:schemeClr>
+                </a:solidFill>
+                <a:cs typeface="+mn-ea"/>
+                <a:sym typeface="+mn-lt"/>
+              </a:rPr>
+              <a:t>需求分析工具：</a:t>
+            </a:r>
+            <a:r>
+              <a:rPr lang="en-US" altLang="zh-CN" sz="1200" b="1" dirty="0" err="1">
+                <a:solidFill>
+                  <a:schemeClr val="tx1">
+                    <a:lumMod val="50000"/>
+                    <a:lumOff val="50000"/>
+                  </a:schemeClr>
+                </a:solidFill>
+                <a:cs typeface="+mn-ea"/>
+                <a:sym typeface="+mn-lt"/>
+              </a:rPr>
+              <a:t>processon</a:t>
+            </a:r>
+            <a:r>
+              <a:rPr lang="zh-CN" altLang="en-US" sz="1200" b="1" dirty="0">
+                <a:solidFill>
+                  <a:schemeClr val="tx1">
+                    <a:lumMod val="50000"/>
+                    <a:lumOff val="50000"/>
+                  </a:schemeClr>
+                </a:solidFill>
+                <a:cs typeface="+mn-ea"/>
+                <a:sym typeface="+mn-lt"/>
+              </a:rPr>
+              <a:t>在线网站</a:t>
+            </a:r>
+            <a:endParaRPr lang="en-US" altLang="zh-CN" sz="1200" b="1" dirty="0">
+              <a:solidFill>
+                <a:schemeClr val="tx1">
+                  <a:lumMod val="50000"/>
+                  <a:lumOff val="50000"/>
+                </a:schemeClr>
+              </a:solidFill>
+              <a:cs typeface="+mn-ea"/>
+              <a:sym typeface="+mn-lt"/>
+            </a:endParaRPr>
+          </a:p>
+          <a:p>
+            <a:pPr>
+              <a:lnSpc>
+                <a:spcPct val="150000"/>
+              </a:lnSpc>
+            </a:pPr>
+            <a:r>
+              <a:rPr lang="zh-CN" altLang="en-US" sz="1200" b="1" dirty="0">
+                <a:solidFill>
+                  <a:schemeClr val="tx1">
+                    <a:lumMod val="50000"/>
+                    <a:lumOff val="50000"/>
+                  </a:schemeClr>
+                </a:solidFill>
+                <a:cs typeface="+mn-ea"/>
+                <a:sym typeface="+mn-lt"/>
+              </a:rPr>
+              <a:t>项目管理工具：</a:t>
+            </a:r>
+            <a:r>
+              <a:rPr lang="en-US" altLang="zh-CN" sz="1200" b="1" dirty="0">
+                <a:solidFill>
+                  <a:schemeClr val="tx1">
+                    <a:lumMod val="50000"/>
+                    <a:lumOff val="50000"/>
+                  </a:schemeClr>
+                </a:solidFill>
+                <a:cs typeface="+mn-ea"/>
+                <a:sym typeface="+mn-lt"/>
+              </a:rPr>
+              <a:t>EDRAW PROJECT</a:t>
             </a:r>
           </a:p>
           <a:p>
@@ -18042,7 +18515,7 @@
                 <a:cs typeface="+mn-ea"/>
                 <a:sym typeface="+mn-lt"/>
               </a:rPr>
-              <a:t>本项目旨在解决上面的这一切问题。</a:t>
+              <a:t>开发模型：瀑布模型</a:t>
             </a:r>
             <a:endParaRPr lang="en-US" altLang="zh-CN" sz="1200" b="1" dirty="0">
               <a:solidFill>
@@ -18067,12 +18540,12 @@
   <p:clrMapOvr>
     <a:masterClrMapping/>
   </p:clrMapOvr>
-  <mc:AlternateContent xmlns:mc="http://schemas.openxmlformats.org/markup-compatibility/2006" xmlns:p14="http://schemas.microsoft.com/office/powerpoint/2010/main">
-    <mc:Choice Requires="p14">
-      <p:transition p14:dur="0" advClick="0" advTm="3000"/>
+  <mc:AlternateContent xmlns:mc="http://schemas.openxmlformats.org/markup-compatibility/2006">
+    <mc:Choice xmlns:p14="http://schemas.microsoft.com/office/powerpoint/2010/main" Requires="p14">
+      <p:transition p14:dur="0"/>
     </mc:Choice>
-    <mc:Fallback xmlns="">
-      <p:transition advClick="0" advTm="3000"/>
+    <mc:Fallback>
+      <p:transition/>
     </mc:Fallback>
   </mc:AlternateContent>
   <p:timing>
@@ -18230,140 +18703,52 @@
           <a:chExt cx="0" cy="0"/>
         </a:xfrm>
       </p:grpSpPr>
-      <p:sp>
-        <p:nvSpPr>
-          <p:cNvPr id="2" name="Rectángulo 49">
+      <p:pic>
+        <p:nvPicPr>
+          <p:cNvPr id="4" name="图片 3">
             <a:extLst>
               <a:ext uri="{FF2B5EF4-FFF2-40B4-BE49-F238E27FC236}">
-                <a16:creationId xmlns:a16="http://schemas.microsoft.com/office/drawing/2014/main" id="{0637CDF1-A2AB-4A07-82D6-445EEFA40CDA}"/>
+                <a16:creationId xmlns:a16="http://schemas.microsoft.com/office/drawing/2014/main" id="{247B5DB2-35B0-4A20-A5E1-B25A77BFEDDE}"/>
               </a:ext>
             </a:extLst>
           </p:cNvPr>
-          <p:cNvSpPr/>
+          <p:cNvPicPr>
+            <a:picLocks noChangeAspect="1"/>
+          </p:cNvPicPr>
           <p:nvPr/>
-        </p:nvSpPr>
+        </p:nvPicPr>
+        <p:blipFill>
+          <a:blip r:embed="rId2">
+            <a:extLst>
+              <a:ext uri="{28A0092B-C50C-407E-A947-70E740481C1C}">
+                <a14:useLocalDpi xmlns:a14="http://schemas.microsoft.com/office/drawing/2010/main" val="0"/>
+              </a:ext>
+            </a:extLst>
+          </a:blip>
+          <a:stretch>
+            <a:fillRect/>
+          </a:stretch>
+        </p:blipFill>
         <p:spPr>
           <a:xfrm>
-            <a:off x="3881041" y="2330728"/>
-            <a:ext cx="4429917" cy="2196544"/>
+            <a:off x="0" y="1413162"/>
+            <a:ext cx="12192000" cy="4414062"/>
           </a:xfrm>
           <a:prstGeom prst="rect">
             <a:avLst/>
           </a:prstGeom>
+          <a:ln>
+            <a:noFill/>
+          </a:ln>
+          <a:effectLst>
+            <a:outerShdw blurRad="292100" dist="139700" dir="2700000" algn="tl" rotWithShape="0">
+              <a:srgbClr val="333333">
+                <a:alpha val="65000"/>
+              </a:srgbClr>
+            </a:outerShdw>
+          </a:effectLst>
         </p:spPr>
-        <p:txBody>
-          <a:bodyPr wrap="square" lIns="45143" tIns="22533" rIns="45143" bIns="22533">
-            <a:spAutoFit/>
-          </a:bodyPr>
-          <a:lstStyle/>
-          <a:p>
-            <a:pPr algn="ctr" defTabSz="1187949"/>
-            <a:r>
-              <a:rPr lang="zh-CN" altLang="en-US" sz="1600" b="1" dirty="0">
-                <a:solidFill>
-                  <a:schemeClr val="tx1">
-                    <a:lumMod val="75000"/>
-                    <a:lumOff val="25000"/>
-                  </a:schemeClr>
-                </a:solidFill>
-                <a:cs typeface="+mn-ea"/>
-                <a:sym typeface="+mn-lt"/>
-              </a:rPr>
-              <a:t>开发计划</a:t>
-            </a:r>
-            <a:endParaRPr lang="en-US" altLang="zh-CN" sz="1600" b="1" dirty="0">
-              <a:solidFill>
-                <a:schemeClr val="tx1">
-                  <a:lumMod val="75000"/>
-                  <a:lumOff val="25000"/>
-                </a:schemeClr>
-              </a:solidFill>
-              <a:cs typeface="+mn-ea"/>
-              <a:sym typeface="+mn-lt"/>
-            </a:endParaRPr>
-          </a:p>
-          <a:p>
-            <a:pPr>
-              <a:lnSpc>
-                <a:spcPct val="150000"/>
-              </a:lnSpc>
-            </a:pPr>
-            <a:r>
-              <a:rPr lang="zh-CN" altLang="en-US" sz="1200" b="1" dirty="0">
-                <a:solidFill>
-                  <a:schemeClr val="tx1">
-                    <a:lumMod val="50000"/>
-                    <a:lumOff val="50000"/>
-                  </a:schemeClr>
-                </a:solidFill>
-                <a:cs typeface="+mn-ea"/>
-                <a:sym typeface="+mn-lt"/>
-              </a:rPr>
-              <a:t>上课、学习计划、乘校车、浏览学校新闻公告、交流学习这些都是大学生的日常，尽管每天都重复着这些日常，但依旧不是所有人都能把上课地点时间不能牢记于心，都能记得学习计划，都能摸清奇怪的校车发班点，都能时常阅览教务处上的新闻、公告，都能找到一个交于心共同学习进步的人</a:t>
-            </a:r>
-            <a:r>
-              <a:rPr lang="en-US" altLang="zh-CN" sz="1200" b="1" dirty="0">
-                <a:solidFill>
-                  <a:schemeClr val="tx1">
-                    <a:lumMod val="50000"/>
-                    <a:lumOff val="50000"/>
-                  </a:schemeClr>
-                </a:solidFill>
-                <a:cs typeface="+mn-ea"/>
-                <a:sym typeface="+mn-lt"/>
-              </a:rPr>
-              <a:t>……</a:t>
-            </a:r>
-          </a:p>
-          <a:p>
-            <a:pPr>
-              <a:lnSpc>
-                <a:spcPct val="150000"/>
-              </a:lnSpc>
-            </a:pPr>
-            <a:endParaRPr lang="en-US" altLang="zh-CN" sz="1200" b="1" dirty="0">
-              <a:solidFill>
-                <a:schemeClr val="tx1">
-                  <a:lumMod val="50000"/>
-                  <a:lumOff val="50000"/>
-                </a:schemeClr>
-              </a:solidFill>
-              <a:cs typeface="+mn-ea"/>
-              <a:sym typeface="+mn-lt"/>
-            </a:endParaRPr>
-          </a:p>
-          <a:p>
-            <a:pPr>
-              <a:lnSpc>
-                <a:spcPct val="150000"/>
-              </a:lnSpc>
-            </a:pPr>
-            <a:r>
-              <a:rPr lang="zh-CN" altLang="en-US" sz="1200" b="1" dirty="0">
-                <a:solidFill>
-                  <a:schemeClr val="tx1">
-                    <a:lumMod val="50000"/>
-                    <a:lumOff val="50000"/>
-                  </a:schemeClr>
-                </a:solidFill>
-                <a:cs typeface="+mn-ea"/>
-                <a:sym typeface="+mn-lt"/>
-              </a:rPr>
-              <a:t>本项目旨在解决上面的这一切问题。</a:t>
-            </a:r>
-            <a:endParaRPr lang="en-US" altLang="zh-CN" sz="1200" b="1" dirty="0">
-              <a:solidFill>
-                <a:schemeClr val="tx1">
-                  <a:lumMod val="50000"/>
-                  <a:lumOff val="50000"/>
-                </a:schemeClr>
-              </a:solidFill>
-              <a:cs typeface="+mn-ea"/>
-              <a:sym typeface="+mn-lt"/>
-            </a:endParaRPr>
-          </a:p>
-        </p:txBody>
-      </p:sp>
+      </p:pic>
     </p:spTree>
     <p:extLst>
       <p:ext uri="{BB962C8B-B14F-4D97-AF65-F5344CB8AC3E}">
@@ -18374,12 +18759,12 @@
   <p:clrMapOvr>
     <a:masterClrMapping/>
   </p:clrMapOvr>
-  <mc:AlternateContent xmlns:mc="http://schemas.openxmlformats.org/markup-compatibility/2006" xmlns:p14="http://schemas.microsoft.com/office/powerpoint/2010/main">
-    <mc:Choice Requires="p14">
-      <p:transition p14:dur="0" advClick="0" advTm="3000"/>
+  <mc:AlternateContent xmlns:mc="http://schemas.openxmlformats.org/markup-compatibility/2006">
+    <mc:Choice xmlns:p14="http://schemas.microsoft.com/office/powerpoint/2010/main" Requires="p14">
+      <p:transition p14:dur="0"/>
     </mc:Choice>
-    <mc:Fallback xmlns="">
-      <p:transition advClick="0" advTm="3000"/>
+    <mc:Fallback>
+      <p:transition/>
     </mc:Fallback>
   </mc:AlternateContent>
   <p:timing>
@@ -18406,7 +18791,7 @@
                             </p:stCondLst>
                             <p:childTnLst>
                               <p:par>
-                                <p:cTn id="5" presetID="42" presetClass="entr" presetSubtype="0" fill="hold" grpId="0" nodeType="afterEffect">
+                                <p:cTn id="5" presetID="6" presetClass="entr" presetSubtype="16" fill="hold" nodeType="afterEffect">
                                   <p:stCondLst>
                                     <p:cond delay="0"/>
                                   </p:stCondLst>
@@ -18419,7 +18804,7 @@
                                           </p:stCondLst>
                                         </p:cTn>
                                         <p:tgtEl>
-                                          <p:spTgt spid="2"/>
+                                          <p:spTgt spid="4"/>
                                         </p:tgtEl>
                                         <p:attrNameLst>
                                           <p:attrName>style.visibility</p:attrName>
@@ -18429,60 +18814,14 @@
                                         <p:strVal val="visible"/>
                                       </p:to>
                                     </p:set>
-                                    <p:animEffect transition="in" filter="fade">
-                                      <p:cBhvr>
-                                        <p:cTn id="7" dur="750"/>
-                                        <p:tgtEl>
-                                          <p:spTgt spid="2"/>
+                                    <p:animEffect transition="in" filter="circle(in)">
+                                      <p:cBhvr>
+                                        <p:cTn id="7" dur="2000"/>
+                                        <p:tgtEl>
+                                          <p:spTgt spid="4"/>
                                         </p:tgtEl>
                                       </p:cBhvr>
                                     </p:animEffect>
-                                    <p:anim calcmode="lin" valueType="num">
-                                      <p:cBhvr>
-                                        <p:cTn id="8" dur="750" fill="hold"/>
-                                        <p:tgtEl>
-                                          <p:spTgt spid="2"/>
-                                        </p:tgtEl>
-                                        <p:attrNameLst>
-                                          <p:attrName>ppt_x</p:attrName>
-                                        </p:attrNameLst>
-                                      </p:cBhvr>
-                                      <p:tavLst>
-                                        <p:tav tm="0">
-                                          <p:val>
-                                            <p:strVal val="#ppt_x"/>
-                                          </p:val>
-                                        </p:tav>
-                                        <p:tav tm="100000">
-                                          <p:val>
-                                            <p:strVal val="#ppt_x"/>
-                                          </p:val>
-                                        </p:tav>
-                                      </p:tavLst>
-                                    </p:anim>
-                                    <p:anim calcmode="lin" valueType="num">
-                                      <p:cBhvr>
-                                        <p:cTn id="9" dur="750" fill="hold"/>
-                                        <p:tgtEl>
-                                          <p:spTgt spid="2"/>
-                                        </p:tgtEl>
-                                        <p:attrNameLst>
-                                          <p:attrName>ppt_y</p:attrName>
-                                        </p:attrNameLst>
-                                      </p:cBhvr>
-                                      <p:tavLst>
-                                        <p:tav tm="0">
-                                          <p:val>
-                                            <p:strVal val="#ppt_y+.1"/>
-                                          </p:val>
-                                        </p:tav>
-                                        <p:tav tm="100000">
-                                          <p:val>
-                                            <p:strVal val="#ppt_y"/>
-                                          </p:val>
-                                        </p:tav>
-                                      </p:tavLst>
-                                    </p:anim>
                                   </p:childTnLst>
                                 </p:cTn>
                               </p:par>
@@ -18513,9 +18852,6 @@
         </p:cTn>
       </p:par>
     </p:tnLst>
-    <p:bldLst>
-      <p:bldP spid="2" grpId="0"/>
-    </p:bldLst>
   </p:timing>
 </p:sld>
 </file>
@@ -19106,11 +19442,11 @@
   <p:clrMapOvr>
     <a:masterClrMapping/>
   </p:clrMapOvr>
-  <mc:AlternateContent xmlns:mc="http://schemas.openxmlformats.org/markup-compatibility/2006">
-    <mc:Choice xmlns:p14="http://schemas.microsoft.com/office/powerpoint/2010/main" Requires="p14">
+  <mc:AlternateContent xmlns:mc="http://schemas.openxmlformats.org/markup-compatibility/2006" xmlns:p14="http://schemas.microsoft.com/office/powerpoint/2010/main">
+    <mc:Choice Requires="p14">
       <p:transition p14:dur="10"/>
     </mc:Choice>
-    <mc:Fallback>
+    <mc:Fallback xmlns="">
       <p:transition/>
     </mc:Fallback>
   </mc:AlternateContent>
@@ -19961,11 +20297,11 @@
   <p:clrMapOvr>
     <a:masterClrMapping/>
   </p:clrMapOvr>
-  <mc:AlternateContent xmlns:mc="http://schemas.openxmlformats.org/markup-compatibility/2006">
-    <mc:Choice xmlns:p14="http://schemas.microsoft.com/office/powerpoint/2010/main" Requires="p14">
+  <mc:AlternateContent xmlns:mc="http://schemas.openxmlformats.org/markup-compatibility/2006" xmlns:p14="http://schemas.microsoft.com/office/powerpoint/2010/main">
+    <mc:Choice Requires="p14">
       <p:transition p14:dur="0"/>
     </mc:Choice>
-    <mc:Fallback>
+    <mc:Fallback xmlns="">
       <p:transition/>
     </mc:Fallback>
   </mc:AlternateContent>
@@ -20863,11 +21199,11 @@
   <p:clrMapOvr>
     <a:masterClrMapping/>
   </p:clrMapOvr>
-  <mc:AlternateContent xmlns:mc="http://schemas.openxmlformats.org/markup-compatibility/2006">
-    <mc:Choice xmlns:p14="http://schemas.microsoft.com/office/powerpoint/2010/main" Requires="p14">
+  <mc:AlternateContent xmlns:mc="http://schemas.openxmlformats.org/markup-compatibility/2006" xmlns:p14="http://schemas.microsoft.com/office/powerpoint/2010/main">
+    <mc:Choice Requires="p14">
       <p:transition p14:dur="0"/>
     </mc:Choice>
-    <mc:Fallback>
+    <mc:Fallback xmlns="">
       <p:transition/>
     </mc:Fallback>
   </mc:AlternateContent>
@@ -22643,11 +22979,11 @@
   <p:clrMapOvr>
     <a:masterClrMapping/>
   </p:clrMapOvr>
-  <mc:AlternateContent xmlns:mc="http://schemas.openxmlformats.org/markup-compatibility/2006">
-    <mc:Choice xmlns:p14="http://schemas.microsoft.com/office/powerpoint/2010/main" Requires="p14">
+  <mc:AlternateContent xmlns:mc="http://schemas.openxmlformats.org/markup-compatibility/2006" xmlns:p14="http://schemas.microsoft.com/office/powerpoint/2010/main">
+    <mc:Choice Requires="p14">
       <p:transition p14:dur="0"/>
     </mc:Choice>
-    <mc:Fallback>
+    <mc:Fallback xmlns="">
       <p:transition/>
     </mc:Fallback>
   </mc:AlternateContent>
@@ -25478,11 +25814,11 @@
   <p:clrMapOvr>
     <a:masterClrMapping/>
   </p:clrMapOvr>
-  <mc:AlternateContent xmlns:mc="http://schemas.openxmlformats.org/markup-compatibility/2006">
-    <mc:Choice xmlns:p14="http://schemas.microsoft.com/office/powerpoint/2010/main" Requires="p14">
+  <mc:AlternateContent xmlns:mc="http://schemas.openxmlformats.org/markup-compatibility/2006" xmlns:p14="http://schemas.microsoft.com/office/powerpoint/2010/main">
+    <mc:Choice Requires="p14">
       <p:transition p14:dur="0"/>
     </mc:Choice>
-    <mc:Fallback>
+    <mc:Fallback xmlns="">
       <p:transition/>
     </mc:Fallback>
   </mc:AlternateContent>
@@ -26440,11 +26776,11 @@
   <p:clrMapOvr>
     <a:masterClrMapping/>
   </p:clrMapOvr>
-  <mc:AlternateContent xmlns:mc="http://schemas.openxmlformats.org/markup-compatibility/2006">
-    <mc:Choice xmlns:p14="http://schemas.microsoft.com/office/powerpoint/2010/main" Requires="p14">
+  <mc:AlternateContent xmlns:mc="http://schemas.openxmlformats.org/markup-compatibility/2006" xmlns:p14="http://schemas.microsoft.com/office/powerpoint/2010/main">
+    <mc:Choice Requires="p14">
       <p:transition p14:dur="0"/>
     </mc:Choice>
-    <mc:Fallback>
+    <mc:Fallback xmlns="">
       <p:transition/>
     </mc:Fallback>
   </mc:AlternateContent>

--- a/项目文档/需求分析.pptx
+++ b/项目文档/需求分析.pptx
@@ -4635,11 +4635,11 @@
   <p:clrMapOvr>
     <a:masterClrMapping/>
   </p:clrMapOvr>
-  <mc:AlternateContent xmlns:mc="http://schemas.openxmlformats.org/markup-compatibility/2006">
-    <mc:Choice xmlns:p14="http://schemas.microsoft.com/office/powerpoint/2010/main" Requires="p14">
+  <mc:AlternateContent xmlns:mc="http://schemas.openxmlformats.org/markup-compatibility/2006" xmlns:p14="http://schemas.microsoft.com/office/powerpoint/2010/main">
+    <mc:Choice Requires="p14">
       <p:transition p14:dur="10"/>
     </mc:Choice>
-    <mc:Fallback>
+    <mc:Fallback xmlns="">
       <p:transition/>
     </mc:Fallback>
   </mc:AlternateContent>
@@ -9183,11 +9183,11 @@
   <p:clrMapOvr>
     <a:masterClrMapping/>
   </p:clrMapOvr>
-  <mc:AlternateContent xmlns:mc="http://schemas.openxmlformats.org/markup-compatibility/2006">
-    <mc:Choice xmlns:p14="http://schemas.microsoft.com/office/powerpoint/2010/main" Requires="p14">
+  <mc:AlternateContent xmlns:mc="http://schemas.openxmlformats.org/markup-compatibility/2006" xmlns:p14="http://schemas.microsoft.com/office/powerpoint/2010/main">
+    <mc:Choice Requires="p14">
       <p:transition p14:dur="0"/>
     </mc:Choice>
-    <mc:Fallback>
+    <mc:Fallback xmlns="">
       <p:transition/>
     </mc:Fallback>
   </mc:AlternateContent>
@@ -18540,11 +18540,11 @@
   <p:clrMapOvr>
     <a:masterClrMapping/>
   </p:clrMapOvr>
-  <mc:AlternateContent xmlns:mc="http://schemas.openxmlformats.org/markup-compatibility/2006">
-    <mc:Choice xmlns:p14="http://schemas.microsoft.com/office/powerpoint/2010/main" Requires="p14">
+  <mc:AlternateContent xmlns:mc="http://schemas.openxmlformats.org/markup-compatibility/2006" xmlns:p14="http://schemas.microsoft.com/office/powerpoint/2010/main">
+    <mc:Choice Requires="p14">
       <p:transition p14:dur="0"/>
     </mc:Choice>
-    <mc:Fallback>
+    <mc:Fallback xmlns="">
       <p:transition/>
     </mc:Fallback>
   </mc:AlternateContent>
@@ -18725,14 +18725,13 @@
               </a:ext>
             </a:extLst>
           </a:blip>
-          <a:stretch>
-            <a:fillRect/>
-          </a:stretch>
+          <a:srcRect/>
+          <a:stretch/>
         </p:blipFill>
         <p:spPr>
           <a:xfrm>
             <a:off x="0" y="1413162"/>
-            <a:ext cx="12192000" cy="4414062"/>
+            <a:ext cx="12191999" cy="4779820"/>
           </a:xfrm>
           <a:prstGeom prst="rect">
             <a:avLst/>
@@ -18759,11 +18758,11 @@
   <p:clrMapOvr>
     <a:masterClrMapping/>
   </p:clrMapOvr>
-  <mc:AlternateContent xmlns:mc="http://schemas.openxmlformats.org/markup-compatibility/2006">
-    <mc:Choice xmlns:p14="http://schemas.microsoft.com/office/powerpoint/2010/main" Requires="p14">
+  <mc:AlternateContent xmlns:mc="http://schemas.openxmlformats.org/markup-compatibility/2006" xmlns:p14="http://schemas.microsoft.com/office/powerpoint/2010/main">
+    <mc:Choice Requires="p14">
       <p:transition p14:dur="0"/>
     </mc:Choice>
-    <mc:Fallback>
+    <mc:Fallback xmlns="">
       <p:transition/>
     </mc:Fallback>
   </mc:AlternateContent>

--- a/项目文档/需求分析.pptx
+++ b/项目文档/需求分析.pptx
@@ -18170,7 +18170,7 @@
         <p:spPr>
           <a:xfrm>
             <a:off x="3881041" y="2330119"/>
-            <a:ext cx="4429917" cy="2750542"/>
+            <a:ext cx="4429917" cy="3028759"/>
           </a:xfrm>
           <a:prstGeom prst="rect">
             <a:avLst/>
@@ -18479,6 +18479,65 @@
                 <a:sym typeface="+mn-lt"/>
               </a:rPr>
               <a:t>EDRAW PROJECT</a:t>
+            </a:r>
+          </a:p>
+          <a:p>
+            <a:pPr>
+              <a:lnSpc>
+                <a:spcPct val="150000"/>
+              </a:lnSpc>
+            </a:pPr>
+            <a:r>
+              <a:rPr lang="zh-CN" altLang="en-US" sz="1200" b="1" dirty="0">
+                <a:solidFill>
+                  <a:schemeClr val="tx1">
+                    <a:lumMod val="50000"/>
+                    <a:lumOff val="50000"/>
+                  </a:schemeClr>
+                </a:solidFill>
+                <a:cs typeface="+mn-ea"/>
+                <a:sym typeface="+mn-lt"/>
+              </a:rPr>
+              <a:t>展示软件：</a:t>
+            </a:r>
+            <a:r>
+              <a:rPr lang="en-US" altLang="zh-CN" sz="1200" b="1" dirty="0">
+                <a:solidFill>
+                  <a:schemeClr val="tx1">
+                    <a:lumMod val="50000"/>
+                    <a:lumOff val="50000"/>
+                  </a:schemeClr>
+                </a:solidFill>
+                <a:cs typeface="+mn-ea"/>
+                <a:sym typeface="+mn-lt"/>
+              </a:rPr>
+              <a:t>PowerPoint</a:t>
+            </a:r>
+            <a:r>
+              <a:rPr lang="zh-CN" altLang="en-US" sz="1200" b="1" dirty="0">
+                <a:solidFill>
+                  <a:schemeClr val="tx1">
+                    <a:lumMod val="50000"/>
+                    <a:lumOff val="50000"/>
+                  </a:schemeClr>
+                </a:solidFill>
+                <a:cs typeface="+mn-ea"/>
+                <a:sym typeface="+mn-lt"/>
+              </a:rPr>
+              <a:t>、</a:t>
+            </a:r>
+            <a:r>
+              <a:rPr lang="en-US" altLang="zh-CN" sz="1200" b="1" dirty="0">
+                <a:solidFill>
+                  <a:schemeClr val="tx1">
+                    <a:lumMod val="50000"/>
+                    <a:lumOff val="50000"/>
+                  </a:schemeClr>
+                </a:solidFill>
+                <a:cs typeface="+mn-ea"/>
+                <a:sym typeface="+mn-lt"/>
+              </a:rPr>
+              <a:t>sway</a:t>
             </a:r>
           </a:p>
           <a:p>
@@ -18730,8 +18789,8 @@
         </p:blipFill>
         <p:spPr>
           <a:xfrm>
-            <a:off x="0" y="1413162"/>
-            <a:ext cx="12191999" cy="4779820"/>
+            <a:off x="1" y="1413162"/>
+            <a:ext cx="12192000" cy="4779820"/>
           </a:xfrm>
           <a:prstGeom prst="rect">
             <a:avLst/>
